--- a/next게시글.pptx
+++ b/next게시글.pptx
@@ -23,6 +23,15 @@
     <p:sldId id="271" r:id="rId17"/>
     <p:sldId id="272" r:id="rId18"/>
     <p:sldId id="273" r:id="rId19"/>
+    <p:sldId id="274" r:id="rId20"/>
+    <p:sldId id="275" r:id="rId21"/>
+    <p:sldId id="276" r:id="rId22"/>
+    <p:sldId id="277" r:id="rId23"/>
+    <p:sldId id="278" r:id="rId24"/>
+    <p:sldId id="279" r:id="rId25"/>
+    <p:sldId id="280" r:id="rId26"/>
+    <p:sldId id="281" r:id="rId27"/>
+    <p:sldId id="282" r:id="rId28"/>
   </p:sldIdLst>
   <p:sldSz cx="12192000" cy="6858000"/>
   <p:notesSz cx="6858000" cy="9144000"/>
@@ -121,6 +130,11 @@
       </a:defRPr>
     </a:lvl9pPr>
   </p:defaultTextStyle>
+  <p:extLst>
+    <p:ext uri="{EFAFB233-063F-42B5-8137-9DF3F51BA10A}">
+      <p15:sldGuideLst xmlns:p15="http://schemas.microsoft.com/office/powerpoint/2012/main"/>
+    </p:ext>
+  </p:extLst>
 </p:presentation>
 </file>
 
@@ -271,7 +285,7 @@
           <a:p>
             <a:fld id="{14C17F98-BDA1-4A85-9068-04FF65BE91FA}" type="datetimeFigureOut">
               <a:rPr lang="ko-KR" altLang="en-US" smtClean="0"/>
-              <a:t>2024-06-15</a:t>
+              <a:t>2024-06-23</a:t>
             </a:fld>
             <a:endParaRPr lang="ko-KR" altLang="en-US"/>
           </a:p>
@@ -469,7 +483,7 @@
           <a:p>
             <a:fld id="{14C17F98-BDA1-4A85-9068-04FF65BE91FA}" type="datetimeFigureOut">
               <a:rPr lang="ko-KR" altLang="en-US" smtClean="0"/>
-              <a:t>2024-06-15</a:t>
+              <a:t>2024-06-23</a:t>
             </a:fld>
             <a:endParaRPr lang="ko-KR" altLang="en-US"/>
           </a:p>
@@ -677,7 +691,7 @@
           <a:p>
             <a:fld id="{14C17F98-BDA1-4A85-9068-04FF65BE91FA}" type="datetimeFigureOut">
               <a:rPr lang="ko-KR" altLang="en-US" smtClean="0"/>
-              <a:t>2024-06-15</a:t>
+              <a:t>2024-06-23</a:t>
             </a:fld>
             <a:endParaRPr lang="ko-KR" altLang="en-US"/>
           </a:p>
@@ -875,7 +889,7 @@
           <a:p>
             <a:fld id="{14C17F98-BDA1-4A85-9068-04FF65BE91FA}" type="datetimeFigureOut">
               <a:rPr lang="ko-KR" altLang="en-US" smtClean="0"/>
-              <a:t>2024-06-15</a:t>
+              <a:t>2024-06-23</a:t>
             </a:fld>
             <a:endParaRPr lang="ko-KR" altLang="en-US"/>
           </a:p>
@@ -1150,7 +1164,7 @@
           <a:p>
             <a:fld id="{14C17F98-BDA1-4A85-9068-04FF65BE91FA}" type="datetimeFigureOut">
               <a:rPr lang="ko-KR" altLang="en-US" smtClean="0"/>
-              <a:t>2024-06-15</a:t>
+              <a:t>2024-06-23</a:t>
             </a:fld>
             <a:endParaRPr lang="ko-KR" altLang="en-US"/>
           </a:p>
@@ -1415,7 +1429,7 @@
           <a:p>
             <a:fld id="{14C17F98-BDA1-4A85-9068-04FF65BE91FA}" type="datetimeFigureOut">
               <a:rPr lang="ko-KR" altLang="en-US" smtClean="0"/>
-              <a:t>2024-06-15</a:t>
+              <a:t>2024-06-23</a:t>
             </a:fld>
             <a:endParaRPr lang="ko-KR" altLang="en-US"/>
           </a:p>
@@ -1827,7 +1841,7 @@
           <a:p>
             <a:fld id="{14C17F98-BDA1-4A85-9068-04FF65BE91FA}" type="datetimeFigureOut">
               <a:rPr lang="ko-KR" altLang="en-US" smtClean="0"/>
-              <a:t>2024-06-15</a:t>
+              <a:t>2024-06-23</a:t>
             </a:fld>
             <a:endParaRPr lang="ko-KR" altLang="en-US"/>
           </a:p>
@@ -1968,7 +1982,7 @@
           <a:p>
             <a:fld id="{14C17F98-BDA1-4A85-9068-04FF65BE91FA}" type="datetimeFigureOut">
               <a:rPr lang="ko-KR" altLang="en-US" smtClean="0"/>
-              <a:t>2024-06-15</a:t>
+              <a:t>2024-06-23</a:t>
             </a:fld>
             <a:endParaRPr lang="ko-KR" altLang="en-US"/>
           </a:p>
@@ -2081,7 +2095,7 @@
           <a:p>
             <a:fld id="{14C17F98-BDA1-4A85-9068-04FF65BE91FA}" type="datetimeFigureOut">
               <a:rPr lang="ko-KR" altLang="en-US" smtClean="0"/>
-              <a:t>2024-06-15</a:t>
+              <a:t>2024-06-23</a:t>
             </a:fld>
             <a:endParaRPr lang="ko-KR" altLang="en-US"/>
           </a:p>
@@ -2392,7 +2406,7 @@
           <a:p>
             <a:fld id="{14C17F98-BDA1-4A85-9068-04FF65BE91FA}" type="datetimeFigureOut">
               <a:rPr lang="ko-KR" altLang="en-US" smtClean="0"/>
-              <a:t>2024-06-15</a:t>
+              <a:t>2024-06-23</a:t>
             </a:fld>
             <a:endParaRPr lang="ko-KR" altLang="en-US"/>
           </a:p>
@@ -2680,7 +2694,7 @@
           <a:p>
             <a:fld id="{14C17F98-BDA1-4A85-9068-04FF65BE91FA}" type="datetimeFigureOut">
               <a:rPr lang="ko-KR" altLang="en-US" smtClean="0"/>
-              <a:t>2024-06-15</a:t>
+              <a:t>2024-06-23</a:t>
             </a:fld>
             <a:endParaRPr lang="ko-KR" altLang="en-US"/>
           </a:p>
@@ -2921,7 +2935,7 @@
           <a:p>
             <a:fld id="{14C17F98-BDA1-4A85-9068-04FF65BE91FA}" type="datetimeFigureOut">
               <a:rPr lang="ko-KR" altLang="en-US" smtClean="0"/>
-              <a:t>2024-06-15</a:t>
+              <a:t>2024-06-23</a:t>
             </a:fld>
             <a:endParaRPr lang="ko-KR" altLang="en-US"/>
           </a:p>
@@ -4761,6 +4775,242 @@
 </p:sld>
 </file>
 
+<file path=ppt/slides/slide19.xml><?xml version="1.0" encoding="utf-8"?>
+<p:sld xmlns:a="http://schemas.openxmlformats.org/drawingml/2006/main" xmlns:r="http://schemas.openxmlformats.org/officeDocument/2006/relationships" xmlns:p="http://schemas.openxmlformats.org/presentationml/2006/main">
+  <p:cSld>
+    <p:spTree>
+      <p:nvGrpSpPr>
+        <p:cNvPr id="1" name=""/>
+        <p:cNvGrpSpPr/>
+        <p:nvPr/>
+      </p:nvGrpSpPr>
+      <p:grpSpPr>
+        <a:xfrm>
+          <a:off x="0" y="0"/>
+          <a:ext cx="0" cy="0"/>
+          <a:chOff x="0" y="0"/>
+          <a:chExt cx="0" cy="0"/>
+        </a:xfrm>
+      </p:grpSpPr>
+      <p:pic>
+        <p:nvPicPr>
+          <p:cNvPr id="6" name="그림 5">
+            <a:extLst>
+              <a:ext uri="{FF2B5EF4-FFF2-40B4-BE49-F238E27FC236}">
+                <a16:creationId xmlns:a16="http://schemas.microsoft.com/office/drawing/2014/main" id="{537B2787-26B7-324C-42DD-371F601F4BC7}"/>
+              </a:ext>
+            </a:extLst>
+          </p:cNvPr>
+          <p:cNvPicPr>
+            <a:picLocks noChangeAspect="1"/>
+          </p:cNvPicPr>
+          <p:nvPr/>
+        </p:nvPicPr>
+        <p:blipFill>
+          <a:blip r:embed="rId2"/>
+          <a:stretch>
+            <a:fillRect/>
+          </a:stretch>
+        </p:blipFill>
+        <p:spPr>
+          <a:xfrm>
+            <a:off x="3238499" y="3429000"/>
+            <a:ext cx="4877481" cy="2819794"/>
+          </a:xfrm>
+          <a:prstGeom prst="rect">
+            <a:avLst/>
+          </a:prstGeom>
+        </p:spPr>
+      </p:pic>
+      <p:sp>
+        <p:nvSpPr>
+          <p:cNvPr id="8" name="TextBox 7">
+            <a:extLst>
+              <a:ext uri="{FF2B5EF4-FFF2-40B4-BE49-F238E27FC236}">
+                <a16:creationId xmlns:a16="http://schemas.microsoft.com/office/drawing/2014/main" id="{030A2488-97DB-F1E0-D20B-14BE9B262EA1}"/>
+              </a:ext>
+            </a:extLst>
+          </p:cNvPr>
+          <p:cNvSpPr txBox="1"/>
+          <p:nvPr/>
+        </p:nvSpPr>
+        <p:spPr>
+          <a:xfrm>
+            <a:off x="3970421" y="6316791"/>
+            <a:ext cx="3994484" cy="369332"/>
+          </a:xfrm>
+          <a:prstGeom prst="rect">
+            <a:avLst/>
+          </a:prstGeom>
+          <a:noFill/>
+        </p:spPr>
+        <p:txBody>
+          <a:bodyPr wrap="square" rtlCol="0">
+            <a:spAutoFit/>
+          </a:bodyPr>
+          <a:lstStyle/>
+          <a:p>
+            <a:r>
+              <a:rPr lang="en-US" altLang="ko-KR" dirty="0"/>
+              <a:t>DB</a:t>
+            </a:r>
+            <a:r>
+              <a:rPr lang="ko-KR" altLang="en-US" dirty="0"/>
+              <a:t>쪽 </a:t>
+            </a:r>
+            <a:r>
+              <a:rPr lang="en-US" altLang="ko-KR" dirty="0"/>
+              <a:t>options </a:t>
+            </a:r>
+            <a:r>
+              <a:rPr lang="ko-KR" altLang="en-US" dirty="0"/>
+              <a:t>수정 </a:t>
+            </a:r>
+            <a:r>
+              <a:rPr lang="en-US" altLang="ko-KR" dirty="0"/>
+              <a:t>(</a:t>
+            </a:r>
+            <a:r>
+              <a:rPr lang="ko-KR" altLang="en-US" dirty="0"/>
+              <a:t>버전업 이슈</a:t>
+            </a:r>
+            <a:r>
+              <a:rPr lang="en-US" altLang="ko-KR" dirty="0"/>
+              <a:t>)</a:t>
+            </a:r>
+            <a:endParaRPr lang="ko-KR" altLang="en-US" dirty="0"/>
+          </a:p>
+        </p:txBody>
+      </p:sp>
+      <p:pic>
+        <p:nvPicPr>
+          <p:cNvPr id="10" name="그림 9">
+            <a:extLst>
+              <a:ext uri="{FF2B5EF4-FFF2-40B4-BE49-F238E27FC236}">
+                <a16:creationId xmlns:a16="http://schemas.microsoft.com/office/drawing/2014/main" id="{9AF7DA12-6E1E-408C-D295-0E735B83D26C}"/>
+              </a:ext>
+            </a:extLst>
+          </p:cNvPr>
+          <p:cNvPicPr>
+            <a:picLocks noChangeAspect="1"/>
+          </p:cNvPicPr>
+          <p:nvPr/>
+        </p:nvPicPr>
+        <p:blipFill>
+          <a:blip r:embed="rId3"/>
+          <a:stretch>
+            <a:fillRect/>
+          </a:stretch>
+        </p:blipFill>
+        <p:spPr>
+          <a:xfrm>
+            <a:off x="563667" y="171877"/>
+            <a:ext cx="4652312" cy="2512134"/>
+          </a:xfrm>
+          <a:prstGeom prst="rect">
+            <a:avLst/>
+          </a:prstGeom>
+        </p:spPr>
+      </p:pic>
+      <p:sp>
+        <p:nvSpPr>
+          <p:cNvPr id="11" name="TextBox 10">
+            <a:extLst>
+              <a:ext uri="{FF2B5EF4-FFF2-40B4-BE49-F238E27FC236}">
+                <a16:creationId xmlns:a16="http://schemas.microsoft.com/office/drawing/2014/main" id="{7A018637-0979-E6FC-E326-8D61642FFB0F}"/>
+              </a:ext>
+            </a:extLst>
+          </p:cNvPr>
+          <p:cNvSpPr txBox="1"/>
+          <p:nvPr/>
+        </p:nvSpPr>
+        <p:spPr>
+          <a:xfrm>
+            <a:off x="3850104" y="2875002"/>
+            <a:ext cx="4770521" cy="369332"/>
+          </a:xfrm>
+          <a:prstGeom prst="rect">
+            <a:avLst/>
+          </a:prstGeom>
+          <a:noFill/>
+        </p:spPr>
+        <p:txBody>
+          <a:bodyPr wrap="square" rtlCol="0">
+            <a:spAutoFit/>
+          </a:bodyPr>
+          <a:lstStyle/>
+          <a:p>
+            <a:r>
+              <a:rPr lang="en-US" altLang="ko-KR" dirty="0" err="1"/>
+              <a:t>ObjectId</a:t>
+            </a:r>
+            <a:r>
+              <a:rPr lang="en-US" altLang="ko-KR" dirty="0"/>
+              <a:t> </a:t>
+            </a:r>
+            <a:r>
+              <a:rPr lang="ko-KR" altLang="en-US" dirty="0"/>
+              <a:t>사용 코드 수정 </a:t>
+            </a:r>
+            <a:r>
+              <a:rPr lang="en-US" altLang="ko-KR" dirty="0"/>
+              <a:t>(</a:t>
+            </a:r>
+            <a:r>
+              <a:rPr lang="ko-KR" altLang="en-US" dirty="0"/>
+              <a:t>자료형 이슈</a:t>
+            </a:r>
+            <a:r>
+              <a:rPr lang="en-US" altLang="ko-KR" dirty="0"/>
+              <a:t>)</a:t>
+            </a:r>
+            <a:endParaRPr lang="ko-KR" altLang="en-US" dirty="0"/>
+          </a:p>
+        </p:txBody>
+      </p:sp>
+      <p:pic>
+        <p:nvPicPr>
+          <p:cNvPr id="13" name="그림 12">
+            <a:extLst>
+              <a:ext uri="{FF2B5EF4-FFF2-40B4-BE49-F238E27FC236}">
+                <a16:creationId xmlns:a16="http://schemas.microsoft.com/office/drawing/2014/main" id="{C2ACF68F-7F02-5471-A7BB-601FAD55C9AD}"/>
+              </a:ext>
+            </a:extLst>
+          </p:cNvPr>
+          <p:cNvPicPr>
+            <a:picLocks noChangeAspect="1"/>
+          </p:cNvPicPr>
+          <p:nvPr/>
+        </p:nvPicPr>
+        <p:blipFill>
+          <a:blip r:embed="rId4"/>
+          <a:stretch>
+            <a:fillRect/>
+          </a:stretch>
+        </p:blipFill>
+        <p:spPr>
+          <a:xfrm>
+            <a:off x="5677240" y="256097"/>
+            <a:ext cx="5512838" cy="2333793"/>
+          </a:xfrm>
+          <a:prstGeom prst="rect">
+            <a:avLst/>
+          </a:prstGeom>
+        </p:spPr>
+      </p:pic>
+    </p:spTree>
+    <p:extLst>
+      <p:ext uri="{BB962C8B-B14F-4D97-AF65-F5344CB8AC3E}">
+        <p14:creationId xmlns:p14="http://schemas.microsoft.com/office/powerpoint/2010/main" val="192261599"/>
+      </p:ext>
+    </p:extLst>
+  </p:cSld>
+  <p:clrMapOvr>
+    <a:masterClrMapping/>
+  </p:clrMapOvr>
+</p:sld>
+</file>
+
 <file path=ppt/slides/slide2.xml><?xml version="1.0" encoding="utf-8"?>
 <p:sld xmlns:a="http://schemas.openxmlformats.org/drawingml/2006/main" xmlns:r="http://schemas.openxmlformats.org/officeDocument/2006/relationships" xmlns:p="http://schemas.openxmlformats.org/presentationml/2006/main">
   <p:cSld>
@@ -4872,6 +5122,1361 @@
     <p:extLst>
       <p:ext uri="{BB962C8B-B14F-4D97-AF65-F5344CB8AC3E}">
         <p14:creationId xmlns:p14="http://schemas.microsoft.com/office/powerpoint/2010/main" val="510536001"/>
+      </p:ext>
+    </p:extLst>
+  </p:cSld>
+  <p:clrMapOvr>
+    <a:masterClrMapping/>
+  </p:clrMapOvr>
+</p:sld>
+</file>
+
+<file path=ppt/slides/slide20.xml><?xml version="1.0" encoding="utf-8"?>
+<p:sld xmlns:a="http://schemas.openxmlformats.org/drawingml/2006/main" xmlns:r="http://schemas.openxmlformats.org/officeDocument/2006/relationships" xmlns:p="http://schemas.openxmlformats.org/presentationml/2006/main">
+  <p:cSld>
+    <p:spTree>
+      <p:nvGrpSpPr>
+        <p:cNvPr id="1" name=""/>
+        <p:cNvGrpSpPr/>
+        <p:nvPr/>
+      </p:nvGrpSpPr>
+      <p:grpSpPr>
+        <a:xfrm>
+          <a:off x="0" y="0"/>
+          <a:ext cx="0" cy="0"/>
+          <a:chOff x="0" y="0"/>
+          <a:chExt cx="0" cy="0"/>
+        </a:xfrm>
+      </p:grpSpPr>
+      <p:sp>
+        <p:nvSpPr>
+          <p:cNvPr id="11" name="TextBox 10">
+            <a:extLst>
+              <a:ext uri="{FF2B5EF4-FFF2-40B4-BE49-F238E27FC236}">
+                <a16:creationId xmlns:a16="http://schemas.microsoft.com/office/drawing/2014/main" id="{7A018637-0979-E6FC-E326-8D61642FFB0F}"/>
+              </a:ext>
+            </a:extLst>
+          </p:cNvPr>
+          <p:cNvSpPr txBox="1"/>
+          <p:nvPr/>
+        </p:nvSpPr>
+        <p:spPr>
+          <a:xfrm>
+            <a:off x="186488" y="4908338"/>
+            <a:ext cx="4770521" cy="369332"/>
+          </a:xfrm>
+          <a:prstGeom prst="rect">
+            <a:avLst/>
+          </a:prstGeom>
+          <a:noFill/>
+        </p:spPr>
+        <p:txBody>
+          <a:bodyPr wrap="square" rtlCol="0">
+            <a:spAutoFit/>
+          </a:bodyPr>
+          <a:lstStyle/>
+          <a:p>
+            <a:r>
+              <a:rPr lang="ko-KR" altLang="en-US" dirty="0"/>
+              <a:t>글 작성 페이지에 글쓴이 정보 추가</a:t>
+            </a:r>
+            <a:r>
+              <a:rPr lang="en-US" altLang="ko-KR" dirty="0"/>
+              <a:t>(</a:t>
+            </a:r>
+            <a:r>
+              <a:rPr lang="ko-KR" altLang="en-US" dirty="0"/>
+              <a:t>이메일</a:t>
+            </a:r>
+            <a:r>
+              <a:rPr lang="en-US" altLang="ko-KR" dirty="0"/>
+              <a:t>)</a:t>
+            </a:r>
+            <a:endParaRPr lang="ko-KR" altLang="en-US" dirty="0"/>
+          </a:p>
+        </p:txBody>
+      </p:sp>
+      <p:pic>
+        <p:nvPicPr>
+          <p:cNvPr id="3" name="그림 2">
+            <a:extLst>
+              <a:ext uri="{FF2B5EF4-FFF2-40B4-BE49-F238E27FC236}">
+                <a16:creationId xmlns:a16="http://schemas.microsoft.com/office/drawing/2014/main" id="{29C3A0F7-9277-554A-5D8A-371135AB3EF6}"/>
+              </a:ext>
+            </a:extLst>
+          </p:cNvPr>
+          <p:cNvPicPr>
+            <a:picLocks noChangeAspect="1"/>
+          </p:cNvPicPr>
+          <p:nvPr/>
+        </p:nvPicPr>
+        <p:blipFill>
+          <a:blip r:embed="rId2"/>
+          <a:stretch>
+            <a:fillRect/>
+          </a:stretch>
+        </p:blipFill>
+        <p:spPr>
+          <a:xfrm>
+            <a:off x="241488" y="158983"/>
+            <a:ext cx="4486065" cy="4623569"/>
+          </a:xfrm>
+          <a:prstGeom prst="rect">
+            <a:avLst/>
+          </a:prstGeom>
+        </p:spPr>
+      </p:pic>
+    </p:spTree>
+    <p:extLst>
+      <p:ext uri="{BB962C8B-B14F-4D97-AF65-F5344CB8AC3E}">
+        <p14:creationId xmlns:p14="http://schemas.microsoft.com/office/powerpoint/2010/main" val="4235745808"/>
+      </p:ext>
+    </p:extLst>
+  </p:cSld>
+  <p:clrMapOvr>
+    <a:masterClrMapping/>
+  </p:clrMapOvr>
+</p:sld>
+</file>
+
+<file path=ppt/slides/slide21.xml><?xml version="1.0" encoding="utf-8"?>
+<p:sld xmlns:a="http://schemas.openxmlformats.org/drawingml/2006/main" xmlns:r="http://schemas.openxmlformats.org/officeDocument/2006/relationships" xmlns:p="http://schemas.openxmlformats.org/presentationml/2006/main">
+  <p:cSld>
+    <p:spTree>
+      <p:nvGrpSpPr>
+        <p:cNvPr id="1" name=""/>
+        <p:cNvGrpSpPr/>
+        <p:nvPr/>
+      </p:nvGrpSpPr>
+      <p:grpSpPr>
+        <a:xfrm>
+          <a:off x="0" y="0"/>
+          <a:ext cx="0" cy="0"/>
+          <a:chOff x="0" y="0"/>
+          <a:chExt cx="0" cy="0"/>
+        </a:xfrm>
+      </p:grpSpPr>
+      <p:sp>
+        <p:nvSpPr>
+          <p:cNvPr id="11" name="TextBox 10">
+            <a:extLst>
+              <a:ext uri="{FF2B5EF4-FFF2-40B4-BE49-F238E27FC236}">
+                <a16:creationId xmlns:a16="http://schemas.microsoft.com/office/drawing/2014/main" id="{7A018637-0979-E6FC-E326-8D61642FFB0F}"/>
+              </a:ext>
+            </a:extLst>
+          </p:cNvPr>
+          <p:cNvSpPr txBox="1"/>
+          <p:nvPr/>
+        </p:nvSpPr>
+        <p:spPr>
+          <a:xfrm>
+            <a:off x="451182" y="4198474"/>
+            <a:ext cx="4770521" cy="369332"/>
+          </a:xfrm>
+          <a:prstGeom prst="rect">
+            <a:avLst/>
+          </a:prstGeom>
+          <a:noFill/>
+        </p:spPr>
+        <p:txBody>
+          <a:bodyPr wrap="square" rtlCol="0">
+            <a:spAutoFit/>
+          </a:bodyPr>
+          <a:lstStyle/>
+          <a:p>
+            <a:r>
+              <a:rPr lang="ko-KR" altLang="en-US" dirty="0"/>
+              <a:t>글 </a:t>
+            </a:r>
+            <a:r>
+              <a:rPr lang="ko-KR" altLang="en-US"/>
+              <a:t>삭제 요청에 </a:t>
+            </a:r>
+            <a:r>
+              <a:rPr lang="ko-KR" altLang="en-US" dirty="0"/>
+              <a:t>글쓴이 정보 추가</a:t>
+            </a:r>
+            <a:r>
+              <a:rPr lang="en-US" altLang="ko-KR" dirty="0"/>
+              <a:t>(</a:t>
+            </a:r>
+            <a:r>
+              <a:rPr lang="ko-KR" altLang="en-US" dirty="0"/>
+              <a:t>이메일</a:t>
+            </a:r>
+            <a:r>
+              <a:rPr lang="en-US" altLang="ko-KR" dirty="0"/>
+              <a:t>)</a:t>
+            </a:r>
+            <a:endParaRPr lang="ko-KR" altLang="en-US" dirty="0"/>
+          </a:p>
+        </p:txBody>
+      </p:sp>
+      <p:pic>
+        <p:nvPicPr>
+          <p:cNvPr id="4" name="그림 3">
+            <a:extLst>
+              <a:ext uri="{FF2B5EF4-FFF2-40B4-BE49-F238E27FC236}">
+                <a16:creationId xmlns:a16="http://schemas.microsoft.com/office/drawing/2014/main" id="{1F1DD177-92AF-D68A-E6B5-73DEFBCCD009}"/>
+              </a:ext>
+            </a:extLst>
+          </p:cNvPr>
+          <p:cNvPicPr>
+            <a:picLocks noChangeAspect="1"/>
+          </p:cNvPicPr>
+          <p:nvPr/>
+        </p:nvPicPr>
+        <p:blipFill>
+          <a:blip r:embed="rId2"/>
+          <a:stretch>
+            <a:fillRect/>
+          </a:stretch>
+        </p:blipFill>
+        <p:spPr>
+          <a:xfrm>
+            <a:off x="128752" y="371623"/>
+            <a:ext cx="5770040" cy="3472467"/>
+          </a:xfrm>
+          <a:prstGeom prst="rect">
+            <a:avLst/>
+          </a:prstGeom>
+        </p:spPr>
+      </p:pic>
+      <p:pic>
+        <p:nvPicPr>
+          <p:cNvPr id="6" name="그림 5">
+            <a:extLst>
+              <a:ext uri="{FF2B5EF4-FFF2-40B4-BE49-F238E27FC236}">
+                <a16:creationId xmlns:a16="http://schemas.microsoft.com/office/drawing/2014/main" id="{3ABA848C-7E47-44F7-29A4-37AE98CFC745}"/>
+              </a:ext>
+            </a:extLst>
+          </p:cNvPr>
+          <p:cNvPicPr>
+            <a:picLocks noChangeAspect="1"/>
+          </p:cNvPicPr>
+          <p:nvPr/>
+        </p:nvPicPr>
+        <p:blipFill>
+          <a:blip r:embed="rId3"/>
+          <a:stretch>
+            <a:fillRect/>
+          </a:stretch>
+        </p:blipFill>
+        <p:spPr>
+          <a:xfrm>
+            <a:off x="6040546" y="371623"/>
+            <a:ext cx="6151453" cy="5974495"/>
+          </a:xfrm>
+          <a:prstGeom prst="rect">
+            <a:avLst/>
+          </a:prstGeom>
+        </p:spPr>
+      </p:pic>
+      <p:sp>
+        <p:nvSpPr>
+          <p:cNvPr id="7" name="TextBox 6">
+            <a:extLst>
+              <a:ext uri="{FF2B5EF4-FFF2-40B4-BE49-F238E27FC236}">
+                <a16:creationId xmlns:a16="http://schemas.microsoft.com/office/drawing/2014/main" id="{9D863DEB-1441-B431-34E7-41225C37B4CA}"/>
+              </a:ext>
+            </a:extLst>
+          </p:cNvPr>
+          <p:cNvSpPr txBox="1"/>
+          <p:nvPr/>
+        </p:nvSpPr>
+        <p:spPr>
+          <a:xfrm>
+            <a:off x="6948235" y="6400253"/>
+            <a:ext cx="4770521" cy="369332"/>
+          </a:xfrm>
+          <a:prstGeom prst="rect">
+            <a:avLst/>
+          </a:prstGeom>
+          <a:noFill/>
+        </p:spPr>
+        <p:txBody>
+          <a:bodyPr wrap="square" rtlCol="0">
+            <a:spAutoFit/>
+          </a:bodyPr>
+          <a:lstStyle/>
+          <a:p>
+            <a:r>
+              <a:rPr lang="ko-KR" altLang="en-US" dirty="0"/>
+              <a:t>글 삭제 서버에 글쓴이 정보 추가</a:t>
+            </a:r>
+            <a:r>
+              <a:rPr lang="en-US" altLang="ko-KR" dirty="0"/>
+              <a:t>(</a:t>
+            </a:r>
+            <a:r>
+              <a:rPr lang="ko-KR" altLang="en-US" dirty="0"/>
+              <a:t>이메일</a:t>
+            </a:r>
+            <a:r>
+              <a:rPr lang="en-US" altLang="ko-KR" dirty="0"/>
+              <a:t>)</a:t>
+            </a:r>
+            <a:endParaRPr lang="ko-KR" altLang="en-US" dirty="0"/>
+          </a:p>
+        </p:txBody>
+      </p:sp>
+    </p:spTree>
+    <p:extLst>
+      <p:ext uri="{BB962C8B-B14F-4D97-AF65-F5344CB8AC3E}">
+        <p14:creationId xmlns:p14="http://schemas.microsoft.com/office/powerpoint/2010/main" val="406035646"/>
+      </p:ext>
+    </p:extLst>
+  </p:cSld>
+  <p:clrMapOvr>
+    <a:masterClrMapping/>
+  </p:clrMapOvr>
+</p:sld>
+</file>
+
+<file path=ppt/slides/slide22.xml><?xml version="1.0" encoding="utf-8"?>
+<p:sld xmlns:a="http://schemas.openxmlformats.org/drawingml/2006/main" xmlns:r="http://schemas.openxmlformats.org/officeDocument/2006/relationships" xmlns:p="http://schemas.openxmlformats.org/presentationml/2006/main">
+  <p:cSld>
+    <p:spTree>
+      <p:nvGrpSpPr>
+        <p:cNvPr id="1" name=""/>
+        <p:cNvGrpSpPr/>
+        <p:nvPr/>
+      </p:nvGrpSpPr>
+      <p:grpSpPr>
+        <a:xfrm>
+          <a:off x="0" y="0"/>
+          <a:ext cx="0" cy="0"/>
+          <a:chOff x="0" y="0"/>
+          <a:chExt cx="0" cy="0"/>
+        </a:xfrm>
+      </p:grpSpPr>
+      <p:sp>
+        <p:nvSpPr>
+          <p:cNvPr id="11" name="TextBox 10">
+            <a:extLst>
+              <a:ext uri="{FF2B5EF4-FFF2-40B4-BE49-F238E27FC236}">
+                <a16:creationId xmlns:a16="http://schemas.microsoft.com/office/drawing/2014/main" id="{7A018637-0979-E6FC-E326-8D61642FFB0F}"/>
+              </a:ext>
+            </a:extLst>
+          </p:cNvPr>
+          <p:cNvSpPr txBox="1"/>
+          <p:nvPr/>
+        </p:nvSpPr>
+        <p:spPr>
+          <a:xfrm>
+            <a:off x="78202" y="107737"/>
+            <a:ext cx="7796465" cy="923330"/>
+          </a:xfrm>
+          <a:prstGeom prst="rect">
+            <a:avLst/>
+          </a:prstGeom>
+          <a:noFill/>
+        </p:spPr>
+        <p:txBody>
+          <a:bodyPr wrap="square" rtlCol="0">
+            <a:spAutoFit/>
+          </a:bodyPr>
+          <a:lstStyle/>
+          <a:p>
+            <a:r>
+              <a:rPr lang="ko-KR" altLang="en-US" dirty="0"/>
+              <a:t>회원가입 기능 </a:t>
+            </a:r>
+            <a:r>
+              <a:rPr lang="en-US" altLang="ko-KR" dirty="0" err="1"/>
+              <a:t>CredentialsProvider</a:t>
+            </a:r>
+            <a:endParaRPr lang="en-US" altLang="ko-KR" dirty="0"/>
+          </a:p>
+          <a:p>
+            <a:endParaRPr lang="en-US" altLang="ko-KR" dirty="0"/>
+          </a:p>
+          <a:p>
+            <a:r>
+              <a:rPr lang="en-US" altLang="ko-KR" dirty="0" err="1"/>
+              <a:t>npm</a:t>
+            </a:r>
+            <a:r>
+              <a:rPr lang="en-US" altLang="ko-KR" dirty="0"/>
+              <a:t> install </a:t>
+            </a:r>
+            <a:r>
+              <a:rPr lang="en-US" altLang="ko-KR" dirty="0" err="1"/>
+              <a:t>bcrypt</a:t>
+            </a:r>
+            <a:r>
+              <a:rPr lang="en-US" altLang="ko-KR" dirty="0"/>
+              <a:t>	(</a:t>
+            </a:r>
+            <a:r>
+              <a:rPr lang="ko-KR" altLang="en-US" dirty="0"/>
+              <a:t>비밀번호 암호화 라이브러리</a:t>
+            </a:r>
+            <a:r>
+              <a:rPr lang="en-US" altLang="ko-KR" dirty="0"/>
+              <a:t>)</a:t>
+            </a:r>
+            <a:endParaRPr lang="ko-KR" altLang="en-US" dirty="0"/>
+          </a:p>
+        </p:txBody>
+      </p:sp>
+      <p:pic>
+        <p:nvPicPr>
+          <p:cNvPr id="3" name="그림 2">
+            <a:extLst>
+              <a:ext uri="{FF2B5EF4-FFF2-40B4-BE49-F238E27FC236}">
+                <a16:creationId xmlns:a16="http://schemas.microsoft.com/office/drawing/2014/main" id="{59E02212-1780-33CC-09CB-23AC7DF85717}"/>
+              </a:ext>
+            </a:extLst>
+          </p:cNvPr>
+          <p:cNvPicPr>
+            <a:picLocks noChangeAspect="1"/>
+          </p:cNvPicPr>
+          <p:nvPr/>
+        </p:nvPicPr>
+        <p:blipFill>
+          <a:blip r:embed="rId2"/>
+          <a:stretch>
+            <a:fillRect/>
+          </a:stretch>
+        </p:blipFill>
+        <p:spPr>
+          <a:xfrm>
+            <a:off x="140616" y="1237297"/>
+            <a:ext cx="7230484" cy="2867425"/>
+          </a:xfrm>
+          <a:prstGeom prst="rect">
+            <a:avLst/>
+          </a:prstGeom>
+        </p:spPr>
+      </p:pic>
+      <p:sp>
+        <p:nvSpPr>
+          <p:cNvPr id="5" name="TextBox 4">
+            <a:extLst>
+              <a:ext uri="{FF2B5EF4-FFF2-40B4-BE49-F238E27FC236}">
+                <a16:creationId xmlns:a16="http://schemas.microsoft.com/office/drawing/2014/main" id="{65F6F9DE-94D8-D85B-6AE4-5DFD1401E569}"/>
+              </a:ext>
+            </a:extLst>
+          </p:cNvPr>
+          <p:cNvSpPr txBox="1"/>
+          <p:nvPr/>
+        </p:nvSpPr>
+        <p:spPr>
+          <a:xfrm>
+            <a:off x="1864895" y="4331368"/>
+            <a:ext cx="3459079" cy="369332"/>
+          </a:xfrm>
+          <a:prstGeom prst="rect">
+            <a:avLst/>
+          </a:prstGeom>
+          <a:noFill/>
+        </p:spPr>
+        <p:txBody>
+          <a:bodyPr wrap="square" rtlCol="0">
+            <a:spAutoFit/>
+          </a:bodyPr>
+          <a:lstStyle/>
+          <a:p>
+            <a:r>
+              <a:rPr lang="ko-KR" altLang="en-US" dirty="0"/>
+              <a:t>회원가입 페이지 추가</a:t>
+            </a:r>
+          </a:p>
+        </p:txBody>
+      </p:sp>
+      <p:pic>
+        <p:nvPicPr>
+          <p:cNvPr id="9" name="그림 8">
+            <a:extLst>
+              <a:ext uri="{FF2B5EF4-FFF2-40B4-BE49-F238E27FC236}">
+                <a16:creationId xmlns:a16="http://schemas.microsoft.com/office/drawing/2014/main" id="{3CB12F2E-933B-2581-7A19-E640F1EDAFD8}"/>
+              </a:ext>
+            </a:extLst>
+          </p:cNvPr>
+          <p:cNvPicPr>
+            <a:picLocks noChangeAspect="1"/>
+          </p:cNvPicPr>
+          <p:nvPr/>
+        </p:nvPicPr>
+        <p:blipFill>
+          <a:blip r:embed="rId3"/>
+          <a:stretch>
+            <a:fillRect/>
+          </a:stretch>
+        </p:blipFill>
+        <p:spPr>
+          <a:xfrm>
+            <a:off x="7469339" y="1237296"/>
+            <a:ext cx="4707921" cy="2763203"/>
+          </a:xfrm>
+          <a:prstGeom prst="rect">
+            <a:avLst/>
+          </a:prstGeom>
+        </p:spPr>
+      </p:pic>
+      <p:sp>
+        <p:nvSpPr>
+          <p:cNvPr id="10" name="TextBox 9">
+            <a:extLst>
+              <a:ext uri="{FF2B5EF4-FFF2-40B4-BE49-F238E27FC236}">
+                <a16:creationId xmlns:a16="http://schemas.microsoft.com/office/drawing/2014/main" id="{F28FF42E-E45B-BEA7-055D-8E8F79E2EEF9}"/>
+              </a:ext>
+            </a:extLst>
+          </p:cNvPr>
+          <p:cNvSpPr txBox="1"/>
+          <p:nvPr/>
+        </p:nvSpPr>
+        <p:spPr>
+          <a:xfrm>
+            <a:off x="7874668" y="4331368"/>
+            <a:ext cx="3678170" cy="369332"/>
+          </a:xfrm>
+          <a:prstGeom prst="rect">
+            <a:avLst/>
+          </a:prstGeom>
+          <a:noFill/>
+        </p:spPr>
+        <p:txBody>
+          <a:bodyPr wrap="square" rtlCol="0">
+            <a:spAutoFit/>
+          </a:bodyPr>
+          <a:lstStyle/>
+          <a:p>
+            <a:r>
+              <a:rPr lang="ko-KR" altLang="en-US" dirty="0"/>
+              <a:t>회원가입 버튼 추가</a:t>
+            </a:r>
+            <a:r>
+              <a:rPr lang="en-US" altLang="ko-KR" dirty="0"/>
+              <a:t>(</a:t>
+            </a:r>
+            <a:r>
+              <a:rPr lang="ko-KR" altLang="en-US" dirty="0"/>
+              <a:t>네비게이션</a:t>
+            </a:r>
+            <a:r>
+              <a:rPr lang="en-US" altLang="ko-KR" dirty="0"/>
+              <a:t>)</a:t>
+            </a:r>
+            <a:endParaRPr lang="ko-KR" altLang="en-US" dirty="0"/>
+          </a:p>
+        </p:txBody>
+      </p:sp>
+      <p:pic>
+        <p:nvPicPr>
+          <p:cNvPr id="13" name="그림 12">
+            <a:extLst>
+              <a:ext uri="{FF2B5EF4-FFF2-40B4-BE49-F238E27FC236}">
+                <a16:creationId xmlns:a16="http://schemas.microsoft.com/office/drawing/2014/main" id="{79ACC4D8-47F7-AED6-DE69-88E0D0E27725}"/>
+              </a:ext>
+            </a:extLst>
+          </p:cNvPr>
+          <p:cNvPicPr>
+            <a:picLocks noChangeAspect="1"/>
+          </p:cNvPicPr>
+          <p:nvPr/>
+        </p:nvPicPr>
+        <p:blipFill>
+          <a:blip r:embed="rId4"/>
+          <a:stretch>
+            <a:fillRect/>
+          </a:stretch>
+        </p:blipFill>
+        <p:spPr>
+          <a:xfrm>
+            <a:off x="7798802" y="4888747"/>
+            <a:ext cx="3635773" cy="1861516"/>
+          </a:xfrm>
+          <a:prstGeom prst="rect">
+            <a:avLst/>
+          </a:prstGeom>
+        </p:spPr>
+      </p:pic>
+    </p:spTree>
+    <p:extLst>
+      <p:ext uri="{BB962C8B-B14F-4D97-AF65-F5344CB8AC3E}">
+        <p14:creationId xmlns:p14="http://schemas.microsoft.com/office/powerpoint/2010/main" val="1850193354"/>
+      </p:ext>
+    </p:extLst>
+  </p:cSld>
+  <p:clrMapOvr>
+    <a:masterClrMapping/>
+  </p:clrMapOvr>
+</p:sld>
+</file>
+
+<file path=ppt/slides/slide23.xml><?xml version="1.0" encoding="utf-8"?>
+<p:sld xmlns:a="http://schemas.openxmlformats.org/drawingml/2006/main" xmlns:r="http://schemas.openxmlformats.org/officeDocument/2006/relationships" xmlns:p="http://schemas.openxmlformats.org/presentationml/2006/main">
+  <p:cSld>
+    <p:spTree>
+      <p:nvGrpSpPr>
+        <p:cNvPr id="1" name=""/>
+        <p:cNvGrpSpPr/>
+        <p:nvPr/>
+      </p:nvGrpSpPr>
+      <p:grpSpPr>
+        <a:xfrm>
+          <a:off x="0" y="0"/>
+          <a:ext cx="0" cy="0"/>
+          <a:chOff x="0" y="0"/>
+          <a:chExt cx="0" cy="0"/>
+        </a:xfrm>
+      </p:grpSpPr>
+      <p:sp>
+        <p:nvSpPr>
+          <p:cNvPr id="11" name="TextBox 10">
+            <a:extLst>
+              <a:ext uri="{FF2B5EF4-FFF2-40B4-BE49-F238E27FC236}">
+                <a16:creationId xmlns:a16="http://schemas.microsoft.com/office/drawing/2014/main" id="{7A018637-0979-E6FC-E326-8D61642FFB0F}"/>
+              </a:ext>
+            </a:extLst>
+          </p:cNvPr>
+          <p:cNvSpPr txBox="1"/>
+          <p:nvPr/>
+        </p:nvSpPr>
+        <p:spPr>
+          <a:xfrm>
+            <a:off x="78202" y="107737"/>
+            <a:ext cx="7796465" cy="923330"/>
+          </a:xfrm>
+          <a:prstGeom prst="rect">
+            <a:avLst/>
+          </a:prstGeom>
+          <a:noFill/>
+        </p:spPr>
+        <p:txBody>
+          <a:bodyPr wrap="square" rtlCol="0">
+            <a:spAutoFit/>
+          </a:bodyPr>
+          <a:lstStyle/>
+          <a:p>
+            <a:r>
+              <a:rPr lang="ko-KR" altLang="en-US" dirty="0"/>
+              <a:t>회원가입 기능 </a:t>
+            </a:r>
+            <a:r>
+              <a:rPr lang="en-US" altLang="ko-KR" dirty="0" err="1"/>
+              <a:t>CredentialsProvider</a:t>
+            </a:r>
+            <a:endParaRPr lang="en-US" altLang="ko-KR" dirty="0"/>
+          </a:p>
+          <a:p>
+            <a:endParaRPr lang="en-US" altLang="ko-KR" dirty="0"/>
+          </a:p>
+          <a:p>
+            <a:r>
+              <a:rPr lang="en-US" altLang="ko-KR" dirty="0" err="1"/>
+              <a:t>npm</a:t>
+            </a:r>
+            <a:r>
+              <a:rPr lang="en-US" altLang="ko-KR" dirty="0"/>
+              <a:t> install </a:t>
+            </a:r>
+            <a:r>
+              <a:rPr lang="en-US" altLang="ko-KR" dirty="0" err="1"/>
+              <a:t>bcrypt</a:t>
+            </a:r>
+            <a:r>
+              <a:rPr lang="en-US" altLang="ko-KR" dirty="0"/>
+              <a:t>	(</a:t>
+            </a:r>
+            <a:r>
+              <a:rPr lang="ko-KR" altLang="en-US" dirty="0"/>
+              <a:t>비밀번호 암호화 라이브러리</a:t>
+            </a:r>
+            <a:r>
+              <a:rPr lang="en-US" altLang="ko-KR" dirty="0"/>
+              <a:t>)</a:t>
+            </a:r>
+            <a:endParaRPr lang="ko-KR" altLang="en-US" dirty="0"/>
+          </a:p>
+        </p:txBody>
+      </p:sp>
+      <p:pic>
+        <p:nvPicPr>
+          <p:cNvPr id="3" name="그림 2">
+            <a:extLst>
+              <a:ext uri="{FF2B5EF4-FFF2-40B4-BE49-F238E27FC236}">
+                <a16:creationId xmlns:a16="http://schemas.microsoft.com/office/drawing/2014/main" id="{59E02212-1780-33CC-09CB-23AC7DF85717}"/>
+              </a:ext>
+            </a:extLst>
+          </p:cNvPr>
+          <p:cNvPicPr>
+            <a:picLocks noChangeAspect="1"/>
+          </p:cNvPicPr>
+          <p:nvPr/>
+        </p:nvPicPr>
+        <p:blipFill>
+          <a:blip r:embed="rId2"/>
+          <a:stretch>
+            <a:fillRect/>
+          </a:stretch>
+        </p:blipFill>
+        <p:spPr>
+          <a:xfrm>
+            <a:off x="140616" y="1237297"/>
+            <a:ext cx="7230484" cy="2867425"/>
+          </a:xfrm>
+          <a:prstGeom prst="rect">
+            <a:avLst/>
+          </a:prstGeom>
+        </p:spPr>
+      </p:pic>
+      <p:sp>
+        <p:nvSpPr>
+          <p:cNvPr id="5" name="TextBox 4">
+            <a:extLst>
+              <a:ext uri="{FF2B5EF4-FFF2-40B4-BE49-F238E27FC236}">
+                <a16:creationId xmlns:a16="http://schemas.microsoft.com/office/drawing/2014/main" id="{65F6F9DE-94D8-D85B-6AE4-5DFD1401E569}"/>
+              </a:ext>
+            </a:extLst>
+          </p:cNvPr>
+          <p:cNvSpPr txBox="1"/>
+          <p:nvPr/>
+        </p:nvSpPr>
+        <p:spPr>
+          <a:xfrm>
+            <a:off x="1864895" y="4331368"/>
+            <a:ext cx="3459079" cy="369332"/>
+          </a:xfrm>
+          <a:prstGeom prst="rect">
+            <a:avLst/>
+          </a:prstGeom>
+          <a:noFill/>
+        </p:spPr>
+        <p:txBody>
+          <a:bodyPr wrap="square" rtlCol="0">
+            <a:spAutoFit/>
+          </a:bodyPr>
+          <a:lstStyle/>
+          <a:p>
+            <a:r>
+              <a:rPr lang="ko-KR" altLang="en-US" dirty="0"/>
+              <a:t>회원가입 페이지 추가</a:t>
+            </a:r>
+          </a:p>
+        </p:txBody>
+      </p:sp>
+      <p:pic>
+        <p:nvPicPr>
+          <p:cNvPr id="9" name="그림 8">
+            <a:extLst>
+              <a:ext uri="{FF2B5EF4-FFF2-40B4-BE49-F238E27FC236}">
+                <a16:creationId xmlns:a16="http://schemas.microsoft.com/office/drawing/2014/main" id="{3CB12F2E-933B-2581-7A19-E640F1EDAFD8}"/>
+              </a:ext>
+            </a:extLst>
+          </p:cNvPr>
+          <p:cNvPicPr>
+            <a:picLocks noChangeAspect="1"/>
+          </p:cNvPicPr>
+          <p:nvPr/>
+        </p:nvPicPr>
+        <p:blipFill>
+          <a:blip r:embed="rId3"/>
+          <a:stretch>
+            <a:fillRect/>
+          </a:stretch>
+        </p:blipFill>
+        <p:spPr>
+          <a:xfrm>
+            <a:off x="7469339" y="1237296"/>
+            <a:ext cx="4707921" cy="2763203"/>
+          </a:xfrm>
+          <a:prstGeom prst="rect">
+            <a:avLst/>
+          </a:prstGeom>
+        </p:spPr>
+      </p:pic>
+      <p:sp>
+        <p:nvSpPr>
+          <p:cNvPr id="10" name="TextBox 9">
+            <a:extLst>
+              <a:ext uri="{FF2B5EF4-FFF2-40B4-BE49-F238E27FC236}">
+                <a16:creationId xmlns:a16="http://schemas.microsoft.com/office/drawing/2014/main" id="{F28FF42E-E45B-BEA7-055D-8E8F79E2EEF9}"/>
+              </a:ext>
+            </a:extLst>
+          </p:cNvPr>
+          <p:cNvSpPr txBox="1"/>
+          <p:nvPr/>
+        </p:nvSpPr>
+        <p:spPr>
+          <a:xfrm>
+            <a:off x="7874668" y="4331368"/>
+            <a:ext cx="3678170" cy="369332"/>
+          </a:xfrm>
+          <a:prstGeom prst="rect">
+            <a:avLst/>
+          </a:prstGeom>
+          <a:noFill/>
+        </p:spPr>
+        <p:txBody>
+          <a:bodyPr wrap="square" rtlCol="0">
+            <a:spAutoFit/>
+          </a:bodyPr>
+          <a:lstStyle/>
+          <a:p>
+            <a:r>
+              <a:rPr lang="ko-KR" altLang="en-US" dirty="0"/>
+              <a:t>회원가입 버튼 추가</a:t>
+            </a:r>
+            <a:r>
+              <a:rPr lang="en-US" altLang="ko-KR" dirty="0"/>
+              <a:t>(</a:t>
+            </a:r>
+            <a:r>
+              <a:rPr lang="ko-KR" altLang="en-US" dirty="0"/>
+              <a:t>네비게이션</a:t>
+            </a:r>
+            <a:r>
+              <a:rPr lang="en-US" altLang="ko-KR" dirty="0"/>
+              <a:t>)</a:t>
+            </a:r>
+            <a:endParaRPr lang="ko-KR" altLang="en-US" dirty="0"/>
+          </a:p>
+        </p:txBody>
+      </p:sp>
+    </p:spTree>
+    <p:extLst>
+      <p:ext uri="{BB962C8B-B14F-4D97-AF65-F5344CB8AC3E}">
+        <p14:creationId xmlns:p14="http://schemas.microsoft.com/office/powerpoint/2010/main" val="2541579700"/>
+      </p:ext>
+    </p:extLst>
+  </p:cSld>
+  <p:clrMapOvr>
+    <a:masterClrMapping/>
+  </p:clrMapOvr>
+</p:sld>
+</file>
+
+<file path=ppt/slides/slide24.xml><?xml version="1.0" encoding="utf-8"?>
+<p:sld xmlns:a="http://schemas.openxmlformats.org/drawingml/2006/main" xmlns:r="http://schemas.openxmlformats.org/officeDocument/2006/relationships" xmlns:p="http://schemas.openxmlformats.org/presentationml/2006/main">
+  <p:cSld>
+    <p:spTree>
+      <p:nvGrpSpPr>
+        <p:cNvPr id="1" name=""/>
+        <p:cNvGrpSpPr/>
+        <p:nvPr/>
+      </p:nvGrpSpPr>
+      <p:grpSpPr>
+        <a:xfrm>
+          <a:off x="0" y="0"/>
+          <a:ext cx="0" cy="0"/>
+          <a:chOff x="0" y="0"/>
+          <a:chExt cx="0" cy="0"/>
+        </a:xfrm>
+      </p:grpSpPr>
+      <p:pic>
+        <p:nvPicPr>
+          <p:cNvPr id="4" name="그림 3">
+            <a:extLst>
+              <a:ext uri="{FF2B5EF4-FFF2-40B4-BE49-F238E27FC236}">
+                <a16:creationId xmlns:a16="http://schemas.microsoft.com/office/drawing/2014/main" id="{5F193CAC-4006-FEED-40B6-C02320A788DA}"/>
+              </a:ext>
+            </a:extLst>
+          </p:cNvPr>
+          <p:cNvPicPr>
+            <a:picLocks noChangeAspect="1"/>
+          </p:cNvPicPr>
+          <p:nvPr/>
+        </p:nvPicPr>
+        <p:blipFill>
+          <a:blip r:embed="rId2"/>
+          <a:stretch>
+            <a:fillRect/>
+          </a:stretch>
+        </p:blipFill>
+        <p:spPr>
+          <a:xfrm>
+            <a:off x="6016" y="0"/>
+            <a:ext cx="5020380" cy="6858000"/>
+          </a:xfrm>
+          <a:prstGeom prst="rect">
+            <a:avLst/>
+          </a:prstGeom>
+        </p:spPr>
+      </p:pic>
+      <p:sp>
+        <p:nvSpPr>
+          <p:cNvPr id="6" name="TextBox 5">
+            <a:extLst>
+              <a:ext uri="{FF2B5EF4-FFF2-40B4-BE49-F238E27FC236}">
+                <a16:creationId xmlns:a16="http://schemas.microsoft.com/office/drawing/2014/main" id="{4EB194BC-76F4-351E-D880-0244BB8D5BBC}"/>
+              </a:ext>
+            </a:extLst>
+          </p:cNvPr>
+          <p:cNvSpPr txBox="1"/>
+          <p:nvPr/>
+        </p:nvSpPr>
+        <p:spPr>
+          <a:xfrm>
+            <a:off x="5125453" y="150395"/>
+            <a:ext cx="5769142" cy="369332"/>
+          </a:xfrm>
+          <a:prstGeom prst="rect">
+            <a:avLst/>
+          </a:prstGeom>
+          <a:noFill/>
+        </p:spPr>
+        <p:txBody>
+          <a:bodyPr wrap="square" rtlCol="0">
+            <a:spAutoFit/>
+          </a:bodyPr>
+          <a:lstStyle/>
+          <a:p>
+            <a:r>
+              <a:rPr lang="en-US" altLang="ko-KR" dirty="0"/>
+              <a:t>[…nextauth].js </a:t>
+            </a:r>
+            <a:r>
+              <a:rPr lang="ko-KR" altLang="en-US" dirty="0"/>
+              <a:t>에 </a:t>
+            </a:r>
+            <a:r>
+              <a:rPr lang="en-US" altLang="ko-KR" dirty="0" err="1"/>
+              <a:t>CredentialsProvider</a:t>
+            </a:r>
+            <a:r>
+              <a:rPr lang="en-US" altLang="ko-KR" dirty="0"/>
+              <a:t> </a:t>
+            </a:r>
+            <a:r>
+              <a:rPr lang="ko-KR" altLang="en-US" dirty="0"/>
+              <a:t>추가</a:t>
+            </a:r>
+          </a:p>
+        </p:txBody>
+      </p:sp>
+    </p:spTree>
+    <p:extLst>
+      <p:ext uri="{BB962C8B-B14F-4D97-AF65-F5344CB8AC3E}">
+        <p14:creationId xmlns:p14="http://schemas.microsoft.com/office/powerpoint/2010/main" val="3246920511"/>
+      </p:ext>
+    </p:extLst>
+  </p:cSld>
+  <p:clrMapOvr>
+    <a:masterClrMapping/>
+  </p:clrMapOvr>
+</p:sld>
+</file>
+
+<file path=ppt/slides/slide25.xml><?xml version="1.0" encoding="utf-8"?>
+<p:sld xmlns:a="http://schemas.openxmlformats.org/drawingml/2006/main" xmlns:r="http://schemas.openxmlformats.org/officeDocument/2006/relationships" xmlns:p="http://schemas.openxmlformats.org/presentationml/2006/main">
+  <p:cSld>
+    <p:spTree>
+      <p:nvGrpSpPr>
+        <p:cNvPr id="1" name=""/>
+        <p:cNvGrpSpPr/>
+        <p:nvPr/>
+      </p:nvGrpSpPr>
+      <p:grpSpPr>
+        <a:xfrm>
+          <a:off x="0" y="0"/>
+          <a:ext cx="0" cy="0"/>
+          <a:chOff x="0" y="0"/>
+          <a:chExt cx="0" cy="0"/>
+        </a:xfrm>
+      </p:grpSpPr>
+      <p:sp>
+        <p:nvSpPr>
+          <p:cNvPr id="6" name="TextBox 5">
+            <a:extLst>
+              <a:ext uri="{FF2B5EF4-FFF2-40B4-BE49-F238E27FC236}">
+                <a16:creationId xmlns:a16="http://schemas.microsoft.com/office/drawing/2014/main" id="{4EB194BC-76F4-351E-D880-0244BB8D5BBC}"/>
+              </a:ext>
+            </a:extLst>
+          </p:cNvPr>
+          <p:cNvSpPr txBox="1"/>
+          <p:nvPr/>
+        </p:nvSpPr>
+        <p:spPr>
+          <a:xfrm>
+            <a:off x="78206" y="96253"/>
+            <a:ext cx="5769142" cy="369332"/>
+          </a:xfrm>
+          <a:prstGeom prst="rect">
+            <a:avLst/>
+          </a:prstGeom>
+          <a:noFill/>
+        </p:spPr>
+        <p:txBody>
+          <a:bodyPr wrap="square" rtlCol="0">
+            <a:spAutoFit/>
+          </a:bodyPr>
+          <a:lstStyle/>
+          <a:p>
+            <a:r>
+              <a:rPr lang="en-US" altLang="ko-KR" dirty="0"/>
+              <a:t>pages/</a:t>
+            </a:r>
+            <a:r>
+              <a:rPr lang="en-US" altLang="ko-KR" dirty="0" err="1"/>
+              <a:t>api</a:t>
+            </a:r>
+            <a:r>
+              <a:rPr lang="en-US" altLang="ko-KR" dirty="0"/>
+              <a:t>/auth </a:t>
+            </a:r>
+            <a:r>
+              <a:rPr lang="ko-KR" altLang="en-US" dirty="0"/>
+              <a:t>폴더에 </a:t>
+            </a:r>
+            <a:r>
+              <a:rPr lang="en-US" altLang="ko-KR" dirty="0"/>
+              <a:t>signup.js </a:t>
+            </a:r>
+            <a:r>
+              <a:rPr lang="ko-KR" altLang="en-US" dirty="0"/>
+              <a:t>서버파일 추가</a:t>
+            </a:r>
+          </a:p>
+        </p:txBody>
+      </p:sp>
+      <p:pic>
+        <p:nvPicPr>
+          <p:cNvPr id="8" name="그림 7">
+            <a:extLst>
+              <a:ext uri="{FF2B5EF4-FFF2-40B4-BE49-F238E27FC236}">
+                <a16:creationId xmlns:a16="http://schemas.microsoft.com/office/drawing/2014/main" id="{137D09B9-A6DC-EA6F-BDD1-1AF5E9F5E14C}"/>
+              </a:ext>
+            </a:extLst>
+          </p:cNvPr>
+          <p:cNvPicPr>
+            <a:picLocks noChangeAspect="1"/>
+          </p:cNvPicPr>
+          <p:nvPr/>
+        </p:nvPicPr>
+        <p:blipFill>
+          <a:blip r:embed="rId2"/>
+          <a:stretch>
+            <a:fillRect/>
+          </a:stretch>
+        </p:blipFill>
+        <p:spPr>
+          <a:xfrm>
+            <a:off x="463298" y="866274"/>
+            <a:ext cx="2410161" cy="657317"/>
+          </a:xfrm>
+          <a:prstGeom prst="rect">
+            <a:avLst/>
+          </a:prstGeom>
+        </p:spPr>
+      </p:pic>
+      <p:pic>
+        <p:nvPicPr>
+          <p:cNvPr id="3" name="그림 2">
+            <a:extLst>
+              <a:ext uri="{FF2B5EF4-FFF2-40B4-BE49-F238E27FC236}">
+                <a16:creationId xmlns:a16="http://schemas.microsoft.com/office/drawing/2014/main" id="{2C5946C3-2BC7-1047-6873-77218B7C4204}"/>
+              </a:ext>
+            </a:extLst>
+          </p:cNvPr>
+          <p:cNvPicPr>
+            <a:picLocks noChangeAspect="1"/>
+          </p:cNvPicPr>
+          <p:nvPr/>
+        </p:nvPicPr>
+        <p:blipFill>
+          <a:blip r:embed="rId3"/>
+          <a:stretch>
+            <a:fillRect/>
+          </a:stretch>
+        </p:blipFill>
+        <p:spPr>
+          <a:xfrm>
+            <a:off x="463298" y="1669038"/>
+            <a:ext cx="5439534" cy="4915586"/>
+          </a:xfrm>
+          <a:prstGeom prst="rect">
+            <a:avLst/>
+          </a:prstGeom>
+        </p:spPr>
+      </p:pic>
+    </p:spTree>
+    <p:extLst>
+      <p:ext uri="{BB962C8B-B14F-4D97-AF65-F5344CB8AC3E}">
+        <p14:creationId xmlns:p14="http://schemas.microsoft.com/office/powerpoint/2010/main" val="2390057038"/>
+      </p:ext>
+    </p:extLst>
+  </p:cSld>
+  <p:clrMapOvr>
+    <a:masterClrMapping/>
+  </p:clrMapOvr>
+</p:sld>
+</file>
+
+<file path=ppt/slides/slide26.xml><?xml version="1.0" encoding="utf-8"?>
+<p:sld xmlns:a="http://schemas.openxmlformats.org/drawingml/2006/main" xmlns:r="http://schemas.openxmlformats.org/officeDocument/2006/relationships" xmlns:p="http://schemas.openxmlformats.org/presentationml/2006/main">
+  <p:cSld>
+    <p:spTree>
+      <p:nvGrpSpPr>
+        <p:cNvPr id="1" name=""/>
+        <p:cNvGrpSpPr/>
+        <p:nvPr/>
+      </p:nvGrpSpPr>
+      <p:grpSpPr>
+        <a:xfrm>
+          <a:off x="0" y="0"/>
+          <a:ext cx="0" cy="0"/>
+          <a:chOff x="0" y="0"/>
+          <a:chExt cx="0" cy="0"/>
+        </a:xfrm>
+      </p:grpSpPr>
+      <p:sp>
+        <p:nvSpPr>
+          <p:cNvPr id="6" name="TextBox 5">
+            <a:extLst>
+              <a:ext uri="{FF2B5EF4-FFF2-40B4-BE49-F238E27FC236}">
+                <a16:creationId xmlns:a16="http://schemas.microsoft.com/office/drawing/2014/main" id="{4EB194BC-76F4-351E-D880-0244BB8D5BBC}"/>
+              </a:ext>
+            </a:extLst>
+          </p:cNvPr>
+          <p:cNvSpPr txBox="1"/>
+          <p:nvPr/>
+        </p:nvSpPr>
+        <p:spPr>
+          <a:xfrm>
+            <a:off x="1064463" y="6380384"/>
+            <a:ext cx="4704679" cy="369332"/>
+          </a:xfrm>
+          <a:prstGeom prst="rect">
+            <a:avLst/>
+          </a:prstGeom>
+          <a:noFill/>
+        </p:spPr>
+        <p:txBody>
+          <a:bodyPr wrap="square" rtlCol="0">
+            <a:spAutoFit/>
+          </a:bodyPr>
+          <a:lstStyle/>
+          <a:p>
+            <a:r>
+              <a:rPr lang="ko-KR" altLang="en-US" dirty="0"/>
+              <a:t>글 수정에 글쓴이 정보 검사 추가</a:t>
+            </a:r>
+            <a:r>
+              <a:rPr lang="en-US" altLang="ko-KR" dirty="0"/>
+              <a:t>(</a:t>
+            </a:r>
+            <a:r>
+              <a:rPr lang="ko-KR" altLang="en-US" dirty="0"/>
+              <a:t>이메일</a:t>
+            </a:r>
+            <a:r>
+              <a:rPr lang="en-US" altLang="ko-KR" dirty="0"/>
+              <a:t>)</a:t>
+            </a:r>
+            <a:endParaRPr lang="ko-KR" altLang="en-US" dirty="0"/>
+          </a:p>
+        </p:txBody>
+      </p:sp>
+      <p:pic>
+        <p:nvPicPr>
+          <p:cNvPr id="4" name="그림 3">
+            <a:extLst>
+              <a:ext uri="{FF2B5EF4-FFF2-40B4-BE49-F238E27FC236}">
+                <a16:creationId xmlns:a16="http://schemas.microsoft.com/office/drawing/2014/main" id="{01F22678-AE61-4CD8-7C3B-CD679E3DE28B}"/>
+              </a:ext>
+            </a:extLst>
+          </p:cNvPr>
+          <p:cNvPicPr>
+            <a:picLocks noChangeAspect="1"/>
+          </p:cNvPicPr>
+          <p:nvPr/>
+        </p:nvPicPr>
+        <p:blipFill>
+          <a:blip r:embed="rId2"/>
+          <a:stretch>
+            <a:fillRect/>
+          </a:stretch>
+        </p:blipFill>
+        <p:spPr>
+          <a:xfrm>
+            <a:off x="0" y="0"/>
+            <a:ext cx="6439660" cy="6298302"/>
+          </a:xfrm>
+          <a:prstGeom prst="rect">
+            <a:avLst/>
+          </a:prstGeom>
+        </p:spPr>
+      </p:pic>
+      <p:pic>
+        <p:nvPicPr>
+          <p:cNvPr id="7" name="그림 6">
+            <a:extLst>
+              <a:ext uri="{FF2B5EF4-FFF2-40B4-BE49-F238E27FC236}">
+                <a16:creationId xmlns:a16="http://schemas.microsoft.com/office/drawing/2014/main" id="{A1A9E850-B040-E420-F862-5D103ED61962}"/>
+              </a:ext>
+            </a:extLst>
+          </p:cNvPr>
+          <p:cNvPicPr>
+            <a:picLocks noChangeAspect="1"/>
+          </p:cNvPicPr>
+          <p:nvPr/>
+        </p:nvPicPr>
+        <p:blipFill>
+          <a:blip r:embed="rId3"/>
+          <a:stretch>
+            <a:fillRect/>
+          </a:stretch>
+        </p:blipFill>
+        <p:spPr>
+          <a:xfrm>
+            <a:off x="6803526" y="691816"/>
+            <a:ext cx="5015495" cy="4627298"/>
+          </a:xfrm>
+          <a:prstGeom prst="rect">
+            <a:avLst/>
+          </a:prstGeom>
+        </p:spPr>
+      </p:pic>
+      <p:sp>
+        <p:nvSpPr>
+          <p:cNvPr id="9" name="TextBox 8">
+            <a:extLst>
+              <a:ext uri="{FF2B5EF4-FFF2-40B4-BE49-F238E27FC236}">
+                <a16:creationId xmlns:a16="http://schemas.microsoft.com/office/drawing/2014/main" id="{63904916-4682-F29E-A294-5C11156F7BAE}"/>
+              </a:ext>
+            </a:extLst>
+          </p:cNvPr>
+          <p:cNvSpPr txBox="1"/>
+          <p:nvPr/>
+        </p:nvSpPr>
+        <p:spPr>
+          <a:xfrm>
+            <a:off x="6958933" y="5712632"/>
+            <a:ext cx="4704679" cy="369332"/>
+          </a:xfrm>
+          <a:prstGeom prst="rect">
+            <a:avLst/>
+          </a:prstGeom>
+          <a:noFill/>
+        </p:spPr>
+        <p:txBody>
+          <a:bodyPr wrap="square" rtlCol="0">
+            <a:spAutoFit/>
+          </a:bodyPr>
+          <a:lstStyle/>
+          <a:p>
+            <a:r>
+              <a:rPr lang="ko-KR" altLang="en-US" dirty="0"/>
+              <a:t>글 작성에 글쓴이 정보 검사 추가</a:t>
+            </a:r>
+            <a:r>
+              <a:rPr lang="en-US" altLang="ko-KR" dirty="0"/>
+              <a:t>(</a:t>
+            </a:r>
+            <a:r>
+              <a:rPr lang="ko-KR" altLang="en-US" dirty="0"/>
+              <a:t>이메일</a:t>
+            </a:r>
+            <a:r>
+              <a:rPr lang="en-US" altLang="ko-KR" dirty="0"/>
+              <a:t>)</a:t>
+            </a:r>
+            <a:endParaRPr lang="ko-KR" altLang="en-US" dirty="0"/>
+          </a:p>
+        </p:txBody>
+      </p:sp>
+    </p:spTree>
+    <p:extLst>
+      <p:ext uri="{BB962C8B-B14F-4D97-AF65-F5344CB8AC3E}">
+        <p14:creationId xmlns:p14="http://schemas.microsoft.com/office/powerpoint/2010/main" val="2725128562"/>
+      </p:ext>
+    </p:extLst>
+  </p:cSld>
+  <p:clrMapOvr>
+    <a:masterClrMapping/>
+  </p:clrMapOvr>
+</p:sld>
+</file>
+
+<file path=ppt/slides/slide27.xml><?xml version="1.0" encoding="utf-8"?>
+<p:sld xmlns:a="http://schemas.openxmlformats.org/drawingml/2006/main" xmlns:r="http://schemas.openxmlformats.org/officeDocument/2006/relationships" xmlns:p="http://schemas.openxmlformats.org/presentationml/2006/main">
+  <p:cSld>
+    <p:spTree>
+      <p:nvGrpSpPr>
+        <p:cNvPr id="1" name=""/>
+        <p:cNvGrpSpPr/>
+        <p:nvPr/>
+      </p:nvGrpSpPr>
+      <p:grpSpPr>
+        <a:xfrm>
+          <a:off x="0" y="0"/>
+          <a:ext cx="0" cy="0"/>
+          <a:chOff x="0" y="0"/>
+          <a:chExt cx="0" cy="0"/>
+        </a:xfrm>
+      </p:grpSpPr>
+      <p:sp>
+        <p:nvSpPr>
+          <p:cNvPr id="6" name="TextBox 5">
+            <a:extLst>
+              <a:ext uri="{FF2B5EF4-FFF2-40B4-BE49-F238E27FC236}">
+                <a16:creationId xmlns:a16="http://schemas.microsoft.com/office/drawing/2014/main" id="{4EB194BC-76F4-351E-D880-0244BB8D5BBC}"/>
+              </a:ext>
+            </a:extLst>
+          </p:cNvPr>
+          <p:cNvSpPr txBox="1"/>
+          <p:nvPr/>
+        </p:nvSpPr>
+        <p:spPr>
+          <a:xfrm>
+            <a:off x="78206" y="96253"/>
+            <a:ext cx="5239752" cy="369332"/>
+          </a:xfrm>
+          <a:prstGeom prst="rect">
+            <a:avLst/>
+          </a:prstGeom>
+          <a:noFill/>
+        </p:spPr>
+        <p:txBody>
+          <a:bodyPr wrap="square" rtlCol="0">
+            <a:spAutoFit/>
+          </a:bodyPr>
+          <a:lstStyle/>
+          <a:p>
+            <a:r>
+              <a:rPr lang="ko-KR" altLang="en-US" dirty="0"/>
+              <a:t>디테일 페이지에 댓글 컴포넌트 추가</a:t>
+            </a:r>
+          </a:p>
+        </p:txBody>
+      </p:sp>
+      <p:pic>
+        <p:nvPicPr>
+          <p:cNvPr id="3" name="그림 2">
+            <a:extLst>
+              <a:ext uri="{FF2B5EF4-FFF2-40B4-BE49-F238E27FC236}">
+                <a16:creationId xmlns:a16="http://schemas.microsoft.com/office/drawing/2014/main" id="{4DA2F440-E7A7-B0DB-6AF7-6722B9210D2A}"/>
+              </a:ext>
+            </a:extLst>
+          </p:cNvPr>
+          <p:cNvPicPr>
+            <a:picLocks noChangeAspect="1"/>
+          </p:cNvPicPr>
+          <p:nvPr/>
+        </p:nvPicPr>
+        <p:blipFill>
+          <a:blip r:embed="rId2"/>
+          <a:stretch>
+            <a:fillRect/>
+          </a:stretch>
+        </p:blipFill>
+        <p:spPr>
+          <a:xfrm>
+            <a:off x="208520" y="738483"/>
+            <a:ext cx="7563906" cy="2962688"/>
+          </a:xfrm>
+          <a:prstGeom prst="rect">
+            <a:avLst/>
+          </a:prstGeom>
+        </p:spPr>
+      </p:pic>
+    </p:spTree>
+    <p:extLst>
+      <p:ext uri="{BB962C8B-B14F-4D97-AF65-F5344CB8AC3E}">
+        <p14:creationId xmlns:p14="http://schemas.microsoft.com/office/powerpoint/2010/main" val="340737448"/>
       </p:ext>
     </p:extLst>
   </p:cSld>

--- a/next게시글.pptx
+++ b/next게시글.pptx
@@ -32,6 +32,8 @@
     <p:sldId id="280" r:id="rId26"/>
     <p:sldId id="281" r:id="rId27"/>
     <p:sldId id="282" r:id="rId28"/>
+    <p:sldId id="283" r:id="rId29"/>
+    <p:sldId id="284" r:id="rId30"/>
   </p:sldIdLst>
   <p:sldSz cx="12192000" cy="6858000"/>
   <p:notesSz cx="6858000" cy="9144000"/>
@@ -285,7 +287,7 @@
           <a:p>
             <a:fld id="{14C17F98-BDA1-4A85-9068-04FF65BE91FA}" type="datetimeFigureOut">
               <a:rPr lang="ko-KR" altLang="en-US" smtClean="0"/>
-              <a:t>2024-06-23</a:t>
+              <a:t>2024-06-29</a:t>
             </a:fld>
             <a:endParaRPr lang="ko-KR" altLang="en-US"/>
           </a:p>
@@ -483,7 +485,7 @@
           <a:p>
             <a:fld id="{14C17F98-BDA1-4A85-9068-04FF65BE91FA}" type="datetimeFigureOut">
               <a:rPr lang="ko-KR" altLang="en-US" smtClean="0"/>
-              <a:t>2024-06-23</a:t>
+              <a:t>2024-06-29</a:t>
             </a:fld>
             <a:endParaRPr lang="ko-KR" altLang="en-US"/>
           </a:p>
@@ -691,7 +693,7 @@
           <a:p>
             <a:fld id="{14C17F98-BDA1-4A85-9068-04FF65BE91FA}" type="datetimeFigureOut">
               <a:rPr lang="ko-KR" altLang="en-US" smtClean="0"/>
-              <a:t>2024-06-23</a:t>
+              <a:t>2024-06-29</a:t>
             </a:fld>
             <a:endParaRPr lang="ko-KR" altLang="en-US"/>
           </a:p>
@@ -889,7 +891,7 @@
           <a:p>
             <a:fld id="{14C17F98-BDA1-4A85-9068-04FF65BE91FA}" type="datetimeFigureOut">
               <a:rPr lang="ko-KR" altLang="en-US" smtClean="0"/>
-              <a:t>2024-06-23</a:t>
+              <a:t>2024-06-29</a:t>
             </a:fld>
             <a:endParaRPr lang="ko-KR" altLang="en-US"/>
           </a:p>
@@ -1164,7 +1166,7 @@
           <a:p>
             <a:fld id="{14C17F98-BDA1-4A85-9068-04FF65BE91FA}" type="datetimeFigureOut">
               <a:rPr lang="ko-KR" altLang="en-US" smtClean="0"/>
-              <a:t>2024-06-23</a:t>
+              <a:t>2024-06-29</a:t>
             </a:fld>
             <a:endParaRPr lang="ko-KR" altLang="en-US"/>
           </a:p>
@@ -1429,7 +1431,7 @@
           <a:p>
             <a:fld id="{14C17F98-BDA1-4A85-9068-04FF65BE91FA}" type="datetimeFigureOut">
               <a:rPr lang="ko-KR" altLang="en-US" smtClean="0"/>
-              <a:t>2024-06-23</a:t>
+              <a:t>2024-06-29</a:t>
             </a:fld>
             <a:endParaRPr lang="ko-KR" altLang="en-US"/>
           </a:p>
@@ -1841,7 +1843,7 @@
           <a:p>
             <a:fld id="{14C17F98-BDA1-4A85-9068-04FF65BE91FA}" type="datetimeFigureOut">
               <a:rPr lang="ko-KR" altLang="en-US" smtClean="0"/>
-              <a:t>2024-06-23</a:t>
+              <a:t>2024-06-29</a:t>
             </a:fld>
             <a:endParaRPr lang="ko-KR" altLang="en-US"/>
           </a:p>
@@ -1982,7 +1984,7 @@
           <a:p>
             <a:fld id="{14C17F98-BDA1-4A85-9068-04FF65BE91FA}" type="datetimeFigureOut">
               <a:rPr lang="ko-KR" altLang="en-US" smtClean="0"/>
-              <a:t>2024-06-23</a:t>
+              <a:t>2024-06-29</a:t>
             </a:fld>
             <a:endParaRPr lang="ko-KR" altLang="en-US"/>
           </a:p>
@@ -2095,7 +2097,7 @@
           <a:p>
             <a:fld id="{14C17F98-BDA1-4A85-9068-04FF65BE91FA}" type="datetimeFigureOut">
               <a:rPr lang="ko-KR" altLang="en-US" smtClean="0"/>
-              <a:t>2024-06-23</a:t>
+              <a:t>2024-06-29</a:t>
             </a:fld>
             <a:endParaRPr lang="ko-KR" altLang="en-US"/>
           </a:p>
@@ -2406,7 +2408,7 @@
           <a:p>
             <a:fld id="{14C17F98-BDA1-4A85-9068-04FF65BE91FA}" type="datetimeFigureOut">
               <a:rPr lang="ko-KR" altLang="en-US" smtClean="0"/>
-              <a:t>2024-06-23</a:t>
+              <a:t>2024-06-29</a:t>
             </a:fld>
             <a:endParaRPr lang="ko-KR" altLang="en-US"/>
           </a:p>
@@ -2694,7 +2696,7 @@
           <a:p>
             <a:fld id="{14C17F98-BDA1-4A85-9068-04FF65BE91FA}" type="datetimeFigureOut">
               <a:rPr lang="ko-KR" altLang="en-US" smtClean="0"/>
-              <a:t>2024-06-23</a:t>
+              <a:t>2024-06-29</a:t>
             </a:fld>
             <a:endParaRPr lang="ko-KR" altLang="en-US"/>
           </a:p>
@@ -2935,7 +2937,7 @@
           <a:p>
             <a:fld id="{14C17F98-BDA1-4A85-9068-04FF65BE91FA}" type="datetimeFigureOut">
               <a:rPr lang="ko-KR" altLang="en-US" smtClean="0"/>
-              <a:t>2024-06-23</a:t>
+              <a:t>2024-06-29</a:t>
             </a:fld>
             <a:endParaRPr lang="ko-KR" altLang="en-US"/>
           </a:p>
@@ -6408,47 +6410,12 @@
           <a:chExt cx="0" cy="0"/>
         </a:xfrm>
       </p:grpSpPr>
-      <p:sp>
-        <p:nvSpPr>
-          <p:cNvPr id="6" name="TextBox 5">
-            <a:extLst>
-              <a:ext uri="{FF2B5EF4-FFF2-40B4-BE49-F238E27FC236}">
-                <a16:creationId xmlns:a16="http://schemas.microsoft.com/office/drawing/2014/main" id="{4EB194BC-76F4-351E-D880-0244BB8D5BBC}"/>
-              </a:ext>
-            </a:extLst>
-          </p:cNvPr>
-          <p:cNvSpPr txBox="1"/>
-          <p:nvPr/>
-        </p:nvSpPr>
-        <p:spPr>
-          <a:xfrm>
-            <a:off x="78206" y="96253"/>
-            <a:ext cx="5239752" cy="369332"/>
-          </a:xfrm>
-          <a:prstGeom prst="rect">
-            <a:avLst/>
-          </a:prstGeom>
-          <a:noFill/>
-        </p:spPr>
-        <p:txBody>
-          <a:bodyPr wrap="square" rtlCol="0">
-            <a:spAutoFit/>
-          </a:bodyPr>
-          <a:lstStyle/>
-          <a:p>
-            <a:r>
-              <a:rPr lang="ko-KR" altLang="en-US" dirty="0"/>
-              <a:t>디테일 페이지에 댓글 컴포넌트 추가</a:t>
-            </a:r>
-          </a:p>
-        </p:txBody>
-      </p:sp>
       <p:pic>
         <p:nvPicPr>
-          <p:cNvPr id="3" name="그림 2">
-            <a:extLst>
-              <a:ext uri="{FF2B5EF4-FFF2-40B4-BE49-F238E27FC236}">
-                <a16:creationId xmlns:a16="http://schemas.microsoft.com/office/drawing/2014/main" id="{4DA2F440-E7A7-B0DB-6AF7-6722B9210D2A}"/>
+          <p:cNvPr id="4" name="그림 3">
+            <a:extLst>
+              <a:ext uri="{FF2B5EF4-FFF2-40B4-BE49-F238E27FC236}">
+                <a16:creationId xmlns:a16="http://schemas.microsoft.com/office/drawing/2014/main" id="{7259F254-8589-EB12-1774-44718B284120}"/>
               </a:ext>
             </a:extLst>
           </p:cNvPr>
@@ -6465,8 +6432,145 @@
         </p:blipFill>
         <p:spPr>
           <a:xfrm>
-            <a:off x="208520" y="738483"/>
-            <a:ext cx="7563906" cy="2962688"/>
+            <a:off x="0" y="0"/>
+            <a:ext cx="8718267" cy="6858000"/>
+          </a:xfrm>
+          <a:prstGeom prst="rect">
+            <a:avLst/>
+          </a:prstGeom>
+        </p:spPr>
+      </p:pic>
+      <p:sp>
+        <p:nvSpPr>
+          <p:cNvPr id="6" name="TextBox 5">
+            <a:extLst>
+              <a:ext uri="{FF2B5EF4-FFF2-40B4-BE49-F238E27FC236}">
+                <a16:creationId xmlns:a16="http://schemas.microsoft.com/office/drawing/2014/main" id="{4EB194BC-76F4-351E-D880-0244BB8D5BBC}"/>
+              </a:ext>
+            </a:extLst>
+          </p:cNvPr>
+          <p:cNvSpPr txBox="1"/>
+          <p:nvPr/>
+        </p:nvSpPr>
+        <p:spPr>
+          <a:xfrm>
+            <a:off x="9083842" y="673768"/>
+            <a:ext cx="2526632" cy="2031325"/>
+          </a:xfrm>
+          <a:prstGeom prst="rect">
+            <a:avLst/>
+          </a:prstGeom>
+          <a:noFill/>
+        </p:spPr>
+        <p:txBody>
+          <a:bodyPr wrap="square" rtlCol="0">
+            <a:spAutoFit/>
+          </a:bodyPr>
+          <a:lstStyle/>
+          <a:p>
+            <a:r>
+              <a:rPr lang="ko-KR" altLang="en-US" dirty="0"/>
+              <a:t>디테일 페이지에 </a:t>
+            </a:r>
+            <a:endParaRPr lang="en-US" altLang="ko-KR" dirty="0"/>
+          </a:p>
+          <a:p>
+            <a:r>
+              <a:rPr lang="ko-KR" altLang="en-US" dirty="0"/>
+              <a:t>댓글 컴포넌트 추가</a:t>
+            </a:r>
+            <a:endParaRPr lang="en-US" altLang="ko-KR" dirty="0"/>
+          </a:p>
+          <a:p>
+            <a:endParaRPr lang="en-US" altLang="ko-KR" dirty="0"/>
+          </a:p>
+          <a:p>
+            <a:endParaRPr lang="en-US" altLang="ko-KR" dirty="0"/>
+          </a:p>
+          <a:p>
+            <a:r>
+              <a:rPr lang="en-US" altLang="ko-KR" dirty="0"/>
+              <a:t>input</a:t>
+            </a:r>
+            <a:r>
+              <a:rPr lang="ko-KR" altLang="en-US" dirty="0"/>
+              <a:t>에 입력한 값을</a:t>
+            </a:r>
+            <a:endParaRPr lang="en-US" altLang="ko-KR" dirty="0"/>
+          </a:p>
+          <a:p>
+            <a:r>
+              <a:rPr lang="en-US" altLang="ko-KR" dirty="0"/>
+              <a:t>state</a:t>
+            </a:r>
+            <a:r>
+              <a:rPr lang="ko-KR" altLang="en-US" dirty="0"/>
+              <a:t>에 저장하고</a:t>
+            </a:r>
+            <a:endParaRPr lang="en-US" altLang="ko-KR" dirty="0"/>
+          </a:p>
+          <a:p>
+            <a:r>
+              <a:rPr lang="ko-KR" altLang="en-US" dirty="0"/>
+              <a:t>서버로 보낸다</a:t>
+            </a:r>
+          </a:p>
+        </p:txBody>
+      </p:sp>
+    </p:spTree>
+    <p:extLst>
+      <p:ext uri="{BB962C8B-B14F-4D97-AF65-F5344CB8AC3E}">
+        <p14:creationId xmlns:p14="http://schemas.microsoft.com/office/powerpoint/2010/main" val="340737448"/>
+      </p:ext>
+    </p:extLst>
+  </p:cSld>
+  <p:clrMapOvr>
+    <a:masterClrMapping/>
+  </p:clrMapOvr>
+</p:sld>
+</file>
+
+<file path=ppt/slides/slide28.xml><?xml version="1.0" encoding="utf-8"?>
+<p:sld xmlns:a="http://schemas.openxmlformats.org/drawingml/2006/main" xmlns:r="http://schemas.openxmlformats.org/officeDocument/2006/relationships" xmlns:p="http://schemas.openxmlformats.org/presentationml/2006/main">
+  <p:cSld>
+    <p:spTree>
+      <p:nvGrpSpPr>
+        <p:cNvPr id="1" name=""/>
+        <p:cNvGrpSpPr/>
+        <p:nvPr/>
+      </p:nvGrpSpPr>
+      <p:grpSpPr>
+        <a:xfrm>
+          <a:off x="0" y="0"/>
+          <a:ext cx="0" cy="0"/>
+          <a:chOff x="0" y="0"/>
+          <a:chExt cx="0" cy="0"/>
+        </a:xfrm>
+      </p:grpSpPr>
+      <p:pic>
+        <p:nvPicPr>
+          <p:cNvPr id="7" name="그림 6">
+            <a:extLst>
+              <a:ext uri="{FF2B5EF4-FFF2-40B4-BE49-F238E27FC236}">
+                <a16:creationId xmlns:a16="http://schemas.microsoft.com/office/drawing/2014/main" id="{6A58F18E-AF74-D6FE-71DF-FCF04A82C29C}"/>
+              </a:ext>
+            </a:extLst>
+          </p:cNvPr>
+          <p:cNvPicPr>
+            <a:picLocks noChangeAspect="1"/>
+          </p:cNvPicPr>
+          <p:nvPr/>
+        </p:nvPicPr>
+        <p:blipFill>
+          <a:blip r:embed="rId2"/>
+          <a:stretch>
+            <a:fillRect/>
+          </a:stretch>
+        </p:blipFill>
+        <p:spPr>
+          <a:xfrm>
+            <a:off x="0" y="0"/>
+            <a:ext cx="6980465" cy="6858000"/>
           </a:xfrm>
           <a:prstGeom prst="rect">
             <a:avLst/>
@@ -6476,7 +6580,132 @@
     </p:spTree>
     <p:extLst>
       <p:ext uri="{BB962C8B-B14F-4D97-AF65-F5344CB8AC3E}">
-        <p14:creationId xmlns:p14="http://schemas.microsoft.com/office/powerpoint/2010/main" val="340737448"/>
+        <p14:creationId xmlns:p14="http://schemas.microsoft.com/office/powerpoint/2010/main" val="3254811510"/>
+      </p:ext>
+    </p:extLst>
+  </p:cSld>
+  <p:clrMapOvr>
+    <a:masterClrMapping/>
+  </p:clrMapOvr>
+</p:sld>
+</file>
+
+<file path=ppt/slides/slide29.xml><?xml version="1.0" encoding="utf-8"?>
+<p:sld xmlns:a="http://schemas.openxmlformats.org/drawingml/2006/main" xmlns:r="http://schemas.openxmlformats.org/officeDocument/2006/relationships" xmlns:p="http://schemas.openxmlformats.org/presentationml/2006/main">
+  <p:cSld>
+    <p:spTree>
+      <p:nvGrpSpPr>
+        <p:cNvPr id="1" name=""/>
+        <p:cNvGrpSpPr/>
+        <p:nvPr/>
+      </p:nvGrpSpPr>
+      <p:grpSpPr>
+        <a:xfrm>
+          <a:off x="0" y="0"/>
+          <a:ext cx="0" cy="0"/>
+          <a:chOff x="0" y="0"/>
+          <a:chExt cx="0" cy="0"/>
+        </a:xfrm>
+      </p:grpSpPr>
+      <p:pic>
+        <p:nvPicPr>
+          <p:cNvPr id="3" name="그림 2">
+            <a:extLst>
+              <a:ext uri="{FF2B5EF4-FFF2-40B4-BE49-F238E27FC236}">
+                <a16:creationId xmlns:a16="http://schemas.microsoft.com/office/drawing/2014/main" id="{E12D94FB-67F6-79A1-61C0-A837F147B335}"/>
+              </a:ext>
+            </a:extLst>
+          </p:cNvPr>
+          <p:cNvPicPr>
+            <a:picLocks noChangeAspect="1"/>
+          </p:cNvPicPr>
+          <p:nvPr/>
+        </p:nvPicPr>
+        <p:blipFill>
+          <a:blip r:embed="rId2"/>
+          <a:stretch>
+            <a:fillRect/>
+          </a:stretch>
+        </p:blipFill>
+        <p:spPr>
+          <a:xfrm>
+            <a:off x="95322" y="0"/>
+            <a:ext cx="8473189" cy="4800600"/>
+          </a:xfrm>
+          <a:prstGeom prst="rect">
+            <a:avLst/>
+          </a:prstGeom>
+        </p:spPr>
+      </p:pic>
+      <p:pic>
+        <p:nvPicPr>
+          <p:cNvPr id="4" name="그림 3">
+            <a:extLst>
+              <a:ext uri="{FF2B5EF4-FFF2-40B4-BE49-F238E27FC236}">
+                <a16:creationId xmlns:a16="http://schemas.microsoft.com/office/drawing/2014/main" id="{752192C9-09B8-283C-4002-0097435FB08A}"/>
+              </a:ext>
+            </a:extLst>
+          </p:cNvPr>
+          <p:cNvPicPr>
+            <a:picLocks noChangeAspect="1"/>
+          </p:cNvPicPr>
+          <p:nvPr/>
+        </p:nvPicPr>
+        <p:blipFill>
+          <a:blip r:embed="rId3"/>
+          <a:stretch>
+            <a:fillRect/>
+          </a:stretch>
+        </p:blipFill>
+        <p:spPr>
+          <a:xfrm>
+            <a:off x="95322" y="4979492"/>
+            <a:ext cx="3954750" cy="1878507"/>
+          </a:xfrm>
+          <a:prstGeom prst="rect">
+            <a:avLst/>
+          </a:prstGeom>
+        </p:spPr>
+      </p:pic>
+      <p:sp>
+        <p:nvSpPr>
+          <p:cNvPr id="5" name="TextBox 4">
+            <a:extLst>
+              <a:ext uri="{FF2B5EF4-FFF2-40B4-BE49-F238E27FC236}">
+                <a16:creationId xmlns:a16="http://schemas.microsoft.com/office/drawing/2014/main" id="{2AAC4730-0781-59CC-01E8-ABE420458156}"/>
+              </a:ext>
+            </a:extLst>
+          </p:cNvPr>
+          <p:cNvSpPr txBox="1"/>
+          <p:nvPr/>
+        </p:nvSpPr>
+        <p:spPr>
+          <a:xfrm>
+            <a:off x="4199021" y="6164360"/>
+            <a:ext cx="1985211" cy="369332"/>
+          </a:xfrm>
+          <a:prstGeom prst="rect">
+            <a:avLst/>
+          </a:prstGeom>
+          <a:noFill/>
+        </p:spPr>
+        <p:txBody>
+          <a:bodyPr wrap="square" rtlCol="0">
+            <a:spAutoFit/>
+          </a:bodyPr>
+          <a:lstStyle/>
+          <a:p>
+            <a:r>
+              <a:rPr lang="ko-KR" altLang="en-US" dirty="0"/>
+              <a:t>서버 파일 추가</a:t>
+            </a:r>
+          </a:p>
+        </p:txBody>
+      </p:sp>
+    </p:spTree>
+    <p:extLst>
+      <p:ext uri="{BB962C8B-B14F-4D97-AF65-F5344CB8AC3E}">
+        <p14:creationId xmlns:p14="http://schemas.microsoft.com/office/powerpoint/2010/main" val="2977406861"/>
       </p:ext>
     </p:extLst>
   </p:cSld>

--- a/next게시글.pptx
+++ b/next게시글.pptx
@@ -34,6 +34,8 @@
     <p:sldId id="282" r:id="rId28"/>
     <p:sldId id="283" r:id="rId29"/>
     <p:sldId id="284" r:id="rId30"/>
+    <p:sldId id="285" r:id="rId31"/>
+    <p:sldId id="286" r:id="rId32"/>
   </p:sldIdLst>
   <p:sldSz cx="12192000" cy="6858000"/>
   <p:notesSz cx="6858000" cy="9144000"/>
@@ -6549,10 +6551,10 @@
       </p:grpSpPr>
       <p:pic>
         <p:nvPicPr>
-          <p:cNvPr id="7" name="그림 6">
-            <a:extLst>
-              <a:ext uri="{FF2B5EF4-FFF2-40B4-BE49-F238E27FC236}">
-                <a16:creationId xmlns:a16="http://schemas.microsoft.com/office/drawing/2014/main" id="{6A58F18E-AF74-D6FE-71DF-FCF04A82C29C}"/>
+          <p:cNvPr id="3" name="그림 2">
+            <a:extLst>
+              <a:ext uri="{FF2B5EF4-FFF2-40B4-BE49-F238E27FC236}">
+                <a16:creationId xmlns:a16="http://schemas.microsoft.com/office/drawing/2014/main" id="{89F29048-09FD-B4C8-6204-19D95A6581C4}"/>
               </a:ext>
             </a:extLst>
           </p:cNvPr>
@@ -6569,8 +6571,81 @@
         </p:blipFill>
         <p:spPr>
           <a:xfrm>
-            <a:off x="0" y="0"/>
-            <a:ext cx="6980465" cy="6858000"/>
+            <a:off x="0" y="523469"/>
+            <a:ext cx="6030167" cy="5811061"/>
+          </a:xfrm>
+          <a:prstGeom prst="rect">
+            <a:avLst/>
+          </a:prstGeom>
+        </p:spPr>
+      </p:pic>
+      <p:sp>
+        <p:nvSpPr>
+          <p:cNvPr id="4" name="TextBox 3">
+            <a:extLst>
+              <a:ext uri="{FF2B5EF4-FFF2-40B4-BE49-F238E27FC236}">
+                <a16:creationId xmlns:a16="http://schemas.microsoft.com/office/drawing/2014/main" id="{9D0B4888-C33A-9A80-56EE-D39DCBBCF380}"/>
+              </a:ext>
+            </a:extLst>
+          </p:cNvPr>
+          <p:cNvSpPr txBox="1"/>
+          <p:nvPr/>
+        </p:nvSpPr>
+        <p:spPr>
+          <a:xfrm>
+            <a:off x="655721" y="96253"/>
+            <a:ext cx="5943600" cy="369332"/>
+          </a:xfrm>
+          <a:prstGeom prst="rect">
+            <a:avLst/>
+          </a:prstGeom>
+          <a:noFill/>
+        </p:spPr>
+        <p:txBody>
+          <a:bodyPr wrap="square" rtlCol="0">
+            <a:spAutoFit/>
+          </a:bodyPr>
+          <a:lstStyle/>
+          <a:p>
+            <a:r>
+              <a:rPr lang="en-US" altLang="ko-KR" dirty="0"/>
+              <a:t>app/detail/[slug]/</a:t>
+            </a:r>
+            <a:r>
+              <a:rPr lang="en-US" altLang="ko-KR"/>
+              <a:t>page.js </a:t>
+            </a:r>
+            <a:r>
+              <a:rPr lang="ko-KR" altLang="en-US" dirty="0"/>
+              <a:t>업데이트</a:t>
+            </a:r>
+          </a:p>
+        </p:txBody>
+      </p:sp>
+      <p:pic>
+        <p:nvPicPr>
+          <p:cNvPr id="6" name="그림 5">
+            <a:extLst>
+              <a:ext uri="{FF2B5EF4-FFF2-40B4-BE49-F238E27FC236}">
+                <a16:creationId xmlns:a16="http://schemas.microsoft.com/office/drawing/2014/main" id="{C455F95B-91DD-046F-F5A0-6D651745D345}"/>
+              </a:ext>
+            </a:extLst>
+          </p:cNvPr>
+          <p:cNvPicPr>
+            <a:picLocks noChangeAspect="1"/>
+          </p:cNvPicPr>
+          <p:nvPr/>
+        </p:nvPicPr>
+        <p:blipFill>
+          <a:blip r:embed="rId3"/>
+          <a:stretch>
+            <a:fillRect/>
+          </a:stretch>
+        </p:blipFill>
+        <p:spPr>
+          <a:xfrm>
+            <a:off x="7307798" y="1466575"/>
+            <a:ext cx="2509970" cy="2598260"/>
           </a:xfrm>
           <a:prstGeom prst="rect">
             <a:avLst/>
@@ -6609,10 +6684,10 @@
       </p:grpSpPr>
       <p:pic>
         <p:nvPicPr>
-          <p:cNvPr id="3" name="그림 2">
-            <a:extLst>
-              <a:ext uri="{FF2B5EF4-FFF2-40B4-BE49-F238E27FC236}">
-                <a16:creationId xmlns:a16="http://schemas.microsoft.com/office/drawing/2014/main" id="{E12D94FB-67F6-79A1-61C0-A837F147B335}"/>
+          <p:cNvPr id="4" name="그림 3">
+            <a:extLst>
+              <a:ext uri="{FF2B5EF4-FFF2-40B4-BE49-F238E27FC236}">
+                <a16:creationId xmlns:a16="http://schemas.microsoft.com/office/drawing/2014/main" id="{752192C9-09B8-283C-4002-0097435FB08A}"/>
               </a:ext>
             </a:extLst>
           </p:cNvPr>
@@ -6629,20 +6704,69 @@
         </p:blipFill>
         <p:spPr>
           <a:xfrm>
-            <a:off x="95322" y="0"/>
-            <a:ext cx="8473189" cy="4800600"/>
+            <a:off x="7230224" y="445169"/>
+            <a:ext cx="2039033" cy="968541"/>
           </a:xfrm>
           <a:prstGeom prst="rect">
             <a:avLst/>
           </a:prstGeom>
         </p:spPr>
       </p:pic>
+      <p:sp>
+        <p:nvSpPr>
+          <p:cNvPr id="5" name="TextBox 4">
+            <a:extLst>
+              <a:ext uri="{FF2B5EF4-FFF2-40B4-BE49-F238E27FC236}">
+                <a16:creationId xmlns:a16="http://schemas.microsoft.com/office/drawing/2014/main" id="{2AAC4730-0781-59CC-01E8-ABE420458156}"/>
+              </a:ext>
+            </a:extLst>
+          </p:cNvPr>
+          <p:cNvSpPr txBox="1"/>
+          <p:nvPr/>
+        </p:nvSpPr>
+        <p:spPr>
+          <a:xfrm>
+            <a:off x="7158034" y="1580328"/>
+            <a:ext cx="3832813" cy="646331"/>
+          </a:xfrm>
+          <a:prstGeom prst="rect">
+            <a:avLst/>
+          </a:prstGeom>
+          <a:noFill/>
+        </p:spPr>
+        <p:txBody>
+          <a:bodyPr wrap="square" rtlCol="0">
+            <a:spAutoFit/>
+          </a:bodyPr>
+          <a:lstStyle/>
+          <a:p>
+            <a:r>
+              <a:rPr lang="en-US" altLang="ko-KR" dirty="0"/>
+              <a:t>pages/</a:t>
+            </a:r>
+            <a:r>
+              <a:rPr lang="en-US" altLang="ko-KR" dirty="0" err="1"/>
+              <a:t>api</a:t>
+            </a:r>
+            <a:r>
+              <a:rPr lang="en-US" altLang="ko-KR" dirty="0"/>
+              <a:t>/comment/new.js</a:t>
+            </a:r>
+          </a:p>
+          <a:p>
+            <a:r>
+              <a:rPr lang="ko-KR" altLang="en-US" dirty="0"/>
+              <a:t>서버 파일 추가</a:t>
+            </a:r>
+          </a:p>
+        </p:txBody>
+      </p:sp>
       <p:pic>
         <p:nvPicPr>
-          <p:cNvPr id="4" name="그림 3">
-            <a:extLst>
-              <a:ext uri="{FF2B5EF4-FFF2-40B4-BE49-F238E27FC236}">
-                <a16:creationId xmlns:a16="http://schemas.microsoft.com/office/drawing/2014/main" id="{752192C9-09B8-283C-4002-0097435FB08A}"/>
+          <p:cNvPr id="6" name="그림 5">
+            <a:extLst>
+              <a:ext uri="{FF2B5EF4-FFF2-40B4-BE49-F238E27FC236}">
+                <a16:creationId xmlns:a16="http://schemas.microsoft.com/office/drawing/2014/main" id="{F2CB4B82-AA97-0F08-287D-CF2DB4EC7D6D}"/>
               </a:ext>
             </a:extLst>
           </p:cNvPr>
@@ -6659,49 +6783,14 @@
         </p:blipFill>
         <p:spPr>
           <a:xfrm>
-            <a:off x="95322" y="4979492"/>
-            <a:ext cx="3954750" cy="1878507"/>
+            <a:off x="0" y="0"/>
+            <a:ext cx="5919053" cy="6858000"/>
           </a:xfrm>
           <a:prstGeom prst="rect">
             <a:avLst/>
           </a:prstGeom>
         </p:spPr>
       </p:pic>
-      <p:sp>
-        <p:nvSpPr>
-          <p:cNvPr id="5" name="TextBox 4">
-            <a:extLst>
-              <a:ext uri="{FF2B5EF4-FFF2-40B4-BE49-F238E27FC236}">
-                <a16:creationId xmlns:a16="http://schemas.microsoft.com/office/drawing/2014/main" id="{2AAC4730-0781-59CC-01E8-ABE420458156}"/>
-              </a:ext>
-            </a:extLst>
-          </p:cNvPr>
-          <p:cNvSpPr txBox="1"/>
-          <p:nvPr/>
-        </p:nvSpPr>
-        <p:spPr>
-          <a:xfrm>
-            <a:off x="4199021" y="6164360"/>
-            <a:ext cx="1985211" cy="369332"/>
-          </a:xfrm>
-          <a:prstGeom prst="rect">
-            <a:avLst/>
-          </a:prstGeom>
-          <a:noFill/>
-        </p:spPr>
-        <p:txBody>
-          <a:bodyPr wrap="square" rtlCol="0">
-            <a:spAutoFit/>
-          </a:bodyPr>
-          <a:lstStyle/>
-          <a:p>
-            <a:r>
-              <a:rPr lang="ko-KR" altLang="en-US" dirty="0"/>
-              <a:t>서버 파일 추가</a:t>
-            </a:r>
-          </a:p>
-        </p:txBody>
-      </p:sp>
     </p:spTree>
     <p:extLst>
       <p:ext uri="{BB962C8B-B14F-4D97-AF65-F5344CB8AC3E}">
@@ -6826,6 +6915,274 @@
     <p:extLst>
       <p:ext uri="{BB962C8B-B14F-4D97-AF65-F5344CB8AC3E}">
         <p14:creationId xmlns:p14="http://schemas.microsoft.com/office/powerpoint/2010/main" val="1950128878"/>
+      </p:ext>
+    </p:extLst>
+  </p:cSld>
+  <p:clrMapOvr>
+    <a:masterClrMapping/>
+  </p:clrMapOvr>
+</p:sld>
+</file>
+
+<file path=ppt/slides/slide30.xml><?xml version="1.0" encoding="utf-8"?>
+<p:sld xmlns:a="http://schemas.openxmlformats.org/drawingml/2006/main" xmlns:r="http://schemas.openxmlformats.org/officeDocument/2006/relationships" xmlns:p="http://schemas.openxmlformats.org/presentationml/2006/main">
+  <p:cSld>
+    <p:spTree>
+      <p:nvGrpSpPr>
+        <p:cNvPr id="1" name=""/>
+        <p:cNvGrpSpPr/>
+        <p:nvPr/>
+      </p:nvGrpSpPr>
+      <p:grpSpPr>
+        <a:xfrm>
+          <a:off x="0" y="0"/>
+          <a:ext cx="0" cy="0"/>
+          <a:chOff x="0" y="0"/>
+          <a:chExt cx="0" cy="0"/>
+        </a:xfrm>
+      </p:grpSpPr>
+      <p:pic>
+        <p:nvPicPr>
+          <p:cNvPr id="8" name="그림 7">
+            <a:extLst>
+              <a:ext uri="{FF2B5EF4-FFF2-40B4-BE49-F238E27FC236}">
+                <a16:creationId xmlns:a16="http://schemas.microsoft.com/office/drawing/2014/main" id="{2B5A4490-2A89-CC16-B34F-6DF0F0E11076}"/>
+              </a:ext>
+            </a:extLst>
+          </p:cNvPr>
+          <p:cNvPicPr>
+            <a:picLocks noChangeAspect="1"/>
+          </p:cNvPicPr>
+          <p:nvPr/>
+        </p:nvPicPr>
+        <p:blipFill>
+          <a:blip r:embed="rId2"/>
+          <a:stretch>
+            <a:fillRect/>
+          </a:stretch>
+        </p:blipFill>
+        <p:spPr>
+          <a:xfrm>
+            <a:off x="0" y="498098"/>
+            <a:ext cx="5753903" cy="3010320"/>
+          </a:xfrm>
+          <a:prstGeom prst="rect">
+            <a:avLst/>
+          </a:prstGeom>
+        </p:spPr>
+      </p:pic>
+      <p:sp>
+        <p:nvSpPr>
+          <p:cNvPr id="9" name="TextBox 8">
+            <a:extLst>
+              <a:ext uri="{FF2B5EF4-FFF2-40B4-BE49-F238E27FC236}">
+                <a16:creationId xmlns:a16="http://schemas.microsoft.com/office/drawing/2014/main" id="{409E43EA-24C6-99B1-01F0-096B4A5BCB3A}"/>
+              </a:ext>
+            </a:extLst>
+          </p:cNvPr>
+          <p:cNvSpPr txBox="1"/>
+          <p:nvPr/>
+        </p:nvSpPr>
+        <p:spPr>
+          <a:xfrm>
+            <a:off x="618022" y="3807995"/>
+            <a:ext cx="4517858" cy="646331"/>
+          </a:xfrm>
+          <a:prstGeom prst="rect">
+            <a:avLst/>
+          </a:prstGeom>
+          <a:noFill/>
+        </p:spPr>
+        <p:txBody>
+          <a:bodyPr wrap="square" rtlCol="0">
+            <a:spAutoFit/>
+          </a:bodyPr>
+          <a:lstStyle/>
+          <a:p>
+            <a:r>
+              <a:rPr lang="en-US" altLang="ko-KR" dirty="0"/>
+              <a:t>/pages/</a:t>
+            </a:r>
+            <a:r>
+              <a:rPr lang="en-US" altLang="ko-KR" dirty="0" err="1"/>
+              <a:t>api</a:t>
+            </a:r>
+            <a:r>
+              <a:rPr lang="en-US" altLang="ko-KR" dirty="0"/>
+              <a:t>/comment/list.js</a:t>
+            </a:r>
+          </a:p>
+          <a:p>
+            <a:r>
+              <a:rPr lang="ko-KR" altLang="en-US" dirty="0"/>
+              <a:t>서버 파일 추가</a:t>
+            </a:r>
+          </a:p>
+        </p:txBody>
+      </p:sp>
+    </p:spTree>
+    <p:extLst>
+      <p:ext uri="{BB962C8B-B14F-4D97-AF65-F5344CB8AC3E}">
+        <p14:creationId xmlns:p14="http://schemas.microsoft.com/office/powerpoint/2010/main" val="1057673872"/>
+      </p:ext>
+    </p:extLst>
+  </p:cSld>
+  <p:clrMapOvr>
+    <a:masterClrMapping/>
+  </p:clrMapOvr>
+</p:sld>
+</file>
+
+<file path=ppt/slides/slide31.xml><?xml version="1.0" encoding="utf-8"?>
+<p:sld xmlns:a="http://schemas.openxmlformats.org/drawingml/2006/main" xmlns:r="http://schemas.openxmlformats.org/officeDocument/2006/relationships" xmlns:p="http://schemas.openxmlformats.org/presentationml/2006/main">
+  <p:cSld>
+    <p:spTree>
+      <p:nvGrpSpPr>
+        <p:cNvPr id="1" name=""/>
+        <p:cNvGrpSpPr/>
+        <p:nvPr/>
+      </p:nvGrpSpPr>
+      <p:grpSpPr>
+        <a:xfrm>
+          <a:off x="0" y="0"/>
+          <a:ext cx="0" cy="0"/>
+          <a:chOff x="0" y="0"/>
+          <a:chExt cx="0" cy="0"/>
+        </a:xfrm>
+      </p:grpSpPr>
+      <p:pic>
+        <p:nvPicPr>
+          <p:cNvPr id="3" name="그림 2">
+            <a:extLst>
+              <a:ext uri="{FF2B5EF4-FFF2-40B4-BE49-F238E27FC236}">
+                <a16:creationId xmlns:a16="http://schemas.microsoft.com/office/drawing/2014/main" id="{D0D92157-1E50-9F85-F9ED-6E9262479166}"/>
+              </a:ext>
+            </a:extLst>
+          </p:cNvPr>
+          <p:cNvPicPr>
+            <a:picLocks noChangeAspect="1"/>
+          </p:cNvPicPr>
+          <p:nvPr/>
+        </p:nvPicPr>
+        <p:blipFill>
+          <a:blip r:embed="rId2"/>
+          <a:stretch>
+            <a:fillRect/>
+          </a:stretch>
+        </p:blipFill>
+        <p:spPr>
+          <a:xfrm>
+            <a:off x="0" y="0"/>
+            <a:ext cx="5677692" cy="6687483"/>
+          </a:xfrm>
+          <a:prstGeom prst="rect">
+            <a:avLst/>
+          </a:prstGeom>
+        </p:spPr>
+      </p:pic>
+      <p:pic>
+        <p:nvPicPr>
+          <p:cNvPr id="5" name="그림 4">
+            <a:extLst>
+              <a:ext uri="{FF2B5EF4-FFF2-40B4-BE49-F238E27FC236}">
+                <a16:creationId xmlns:a16="http://schemas.microsoft.com/office/drawing/2014/main" id="{952BA878-01D4-020F-DA48-0649877F18A9}"/>
+              </a:ext>
+            </a:extLst>
+          </p:cNvPr>
+          <p:cNvPicPr>
+            <a:picLocks noChangeAspect="1"/>
+          </p:cNvPicPr>
+          <p:nvPr/>
+        </p:nvPicPr>
+        <p:blipFill>
+          <a:blip r:embed="rId3"/>
+          <a:stretch>
+            <a:fillRect/>
+          </a:stretch>
+        </p:blipFill>
+        <p:spPr>
+          <a:xfrm>
+            <a:off x="5752201" y="808629"/>
+            <a:ext cx="6439799" cy="3496163"/>
+          </a:xfrm>
+          <a:prstGeom prst="rect">
+            <a:avLst/>
+          </a:prstGeom>
+        </p:spPr>
+      </p:pic>
+      <p:sp>
+        <p:nvSpPr>
+          <p:cNvPr id="6" name="TextBox 5">
+            <a:extLst>
+              <a:ext uri="{FF2B5EF4-FFF2-40B4-BE49-F238E27FC236}">
+                <a16:creationId xmlns:a16="http://schemas.microsoft.com/office/drawing/2014/main" id="{9237D88D-0014-AF62-9CB0-4D94DEAD47F3}"/>
+              </a:ext>
+            </a:extLst>
+          </p:cNvPr>
+          <p:cNvSpPr txBox="1"/>
+          <p:nvPr/>
+        </p:nvSpPr>
+        <p:spPr>
+          <a:xfrm>
+            <a:off x="6358689" y="258679"/>
+            <a:ext cx="3230479" cy="369332"/>
+          </a:xfrm>
+          <a:prstGeom prst="rect">
+            <a:avLst/>
+          </a:prstGeom>
+          <a:noFill/>
+        </p:spPr>
+        <p:txBody>
+          <a:bodyPr wrap="square" rtlCol="0">
+            <a:spAutoFit/>
+          </a:bodyPr>
+          <a:lstStyle/>
+          <a:p>
+            <a:r>
+              <a:rPr lang="en-US" altLang="ko-KR" dirty="0"/>
+              <a:t>comment.js</a:t>
+            </a:r>
+            <a:r>
+              <a:rPr lang="ko-KR" altLang="en-US" dirty="0"/>
+              <a:t> 업데이트</a:t>
+            </a:r>
+          </a:p>
+        </p:txBody>
+      </p:sp>
+      <p:pic>
+        <p:nvPicPr>
+          <p:cNvPr id="9" name="그림 8">
+            <a:extLst>
+              <a:ext uri="{FF2B5EF4-FFF2-40B4-BE49-F238E27FC236}">
+                <a16:creationId xmlns:a16="http://schemas.microsoft.com/office/drawing/2014/main" id="{F2AE9D62-A236-D8FB-811E-A5C4E7A4A4D3}"/>
+              </a:ext>
+            </a:extLst>
+          </p:cNvPr>
+          <p:cNvPicPr>
+            <a:picLocks noChangeAspect="1"/>
+          </p:cNvPicPr>
+          <p:nvPr/>
+        </p:nvPicPr>
+        <p:blipFill>
+          <a:blip r:embed="rId4"/>
+          <a:stretch>
+            <a:fillRect/>
+          </a:stretch>
+        </p:blipFill>
+        <p:spPr>
+          <a:xfrm>
+            <a:off x="6018561" y="4707251"/>
+            <a:ext cx="3391373" cy="1486107"/>
+          </a:xfrm>
+          <a:prstGeom prst="rect">
+            <a:avLst/>
+          </a:prstGeom>
+        </p:spPr>
+      </p:pic>
+    </p:spTree>
+    <p:extLst>
+      <p:ext uri="{BB962C8B-B14F-4D97-AF65-F5344CB8AC3E}">
+        <p14:creationId xmlns:p14="http://schemas.microsoft.com/office/powerpoint/2010/main" val="1606069632"/>
       </p:ext>
     </p:extLst>
   </p:cSld>
